--- a/springboot/M6_Spring_BOOT_Gemini.pptx
+++ b/springboot/M6_Spring_BOOT_Gemini.pptx
@@ -6,10 +6,10 @@
     <p:sldMasterId id="2147483907" r:id="rId6"/>
   </p:sldMasterIdLst>
   <p:notesMasterIdLst>
-    <p:notesMasterId r:id="rId25"/>
+    <p:notesMasterId r:id="rId24"/>
   </p:notesMasterIdLst>
   <p:handoutMasterIdLst>
-    <p:handoutMasterId r:id="rId26"/>
+    <p:handoutMasterId r:id="rId25"/>
   </p:handoutMasterIdLst>
   <p:sldIdLst>
     <p:sldId id="624" r:id="rId7"/>
@@ -17,24 +17,23 @@
     <p:sldId id="662" r:id="rId9"/>
     <p:sldId id="626" r:id="rId10"/>
     <p:sldId id="667" r:id="rId11"/>
-    <p:sldId id="668" r:id="rId12"/>
-    <p:sldId id="672" r:id="rId13"/>
-    <p:sldId id="666" r:id="rId14"/>
-    <p:sldId id="639" r:id="rId15"/>
-    <p:sldId id="627" r:id="rId16"/>
-    <p:sldId id="637" r:id="rId17"/>
-    <p:sldId id="670" r:id="rId18"/>
-    <p:sldId id="671" r:id="rId19"/>
-    <p:sldId id="669" r:id="rId20"/>
-    <p:sldId id="653" r:id="rId21"/>
-    <p:sldId id="660" r:id="rId22"/>
-    <p:sldId id="641" r:id="rId23"/>
-    <p:sldId id="587" r:id="rId24"/>
+    <p:sldId id="672" r:id="rId12"/>
+    <p:sldId id="666" r:id="rId13"/>
+    <p:sldId id="639" r:id="rId14"/>
+    <p:sldId id="627" r:id="rId15"/>
+    <p:sldId id="637" r:id="rId16"/>
+    <p:sldId id="670" r:id="rId17"/>
+    <p:sldId id="671" r:id="rId18"/>
+    <p:sldId id="669" r:id="rId19"/>
+    <p:sldId id="653" r:id="rId20"/>
+    <p:sldId id="660" r:id="rId21"/>
+    <p:sldId id="641" r:id="rId22"/>
+    <p:sldId id="587" r:id="rId23"/>
   </p:sldIdLst>
   <p:sldSz cx="9144000" cy="6858000" type="screen4x3"/>
   <p:notesSz cx="7315200" cy="9601200"/>
   <p:custDataLst>
-    <p:tags r:id="rId27"/>
+    <p:tags r:id="rId26"/>
   </p:custDataLst>
   <p:defaultTextStyle>
     <a:defPPr>
@@ -245,287 +244,17 @@
     </pc:docChg>
   </pc:docChgLst>
   <pc:docChgLst>
-    <pc:chgData name="Vieira Ferreira, Júlio" userId="b0398a4e-5165-4128-b747-904da519835a" providerId="ADAL" clId="{A5146B61-BEB7-4309-A0DC-A628A09958DE}"/>
-    <pc:docChg chg="undo custSel addSld delSld modSld sldOrd">
-      <pc:chgData name="Vieira Ferreira, Júlio" userId="b0398a4e-5165-4128-b747-904da519835a" providerId="ADAL" clId="{A5146B61-BEB7-4309-A0DC-A628A09958DE}" dt="2021-06-28T19:32:50.326" v="118" actId="20577"/>
+    <pc:chgData name="Vieira Ferreira, Júlio" userId="b0398a4e-5165-4128-b747-904da519835a" providerId="ADAL" clId="{E09A4ED3-8411-4FFB-9DC4-FC4F29323551}"/>
+    <pc:docChg chg="modSld">
+      <pc:chgData name="Vieira Ferreira, Júlio" userId="b0398a4e-5165-4128-b747-904da519835a" providerId="ADAL" clId="{E09A4ED3-8411-4FFB-9DC4-FC4F29323551}" dt="2023-08-23T12:32:07.286" v="3" actId="20577"/>
       <pc:docMkLst>
         <pc:docMk/>
       </pc:docMkLst>
-      <pc:sldChg chg="addSp delSp modSp mod">
-        <pc:chgData name="Vieira Ferreira, Júlio" userId="b0398a4e-5165-4128-b747-904da519835a" providerId="ADAL" clId="{A5146B61-BEB7-4309-A0DC-A628A09958DE}" dt="2021-06-19T17:12:19.454" v="59" actId="14100"/>
+      <pc:sldChg chg="modSp mod">
+        <pc:chgData name="Vieira Ferreira, Júlio" userId="b0398a4e-5165-4128-b747-904da519835a" providerId="ADAL" clId="{E09A4ED3-8411-4FFB-9DC4-FC4F29323551}" dt="2023-08-23T12:32:07.286" v="3" actId="20577"/>
         <pc:sldMkLst>
           <pc:docMk/>
-          <pc:sldMk cId="391996477" sldId="626"/>
-        </pc:sldMkLst>
-        <pc:spChg chg="mod">
-          <ac:chgData name="Vieira Ferreira, Júlio" userId="b0398a4e-5165-4128-b747-904da519835a" providerId="ADAL" clId="{A5146B61-BEB7-4309-A0DC-A628A09958DE}" dt="2021-06-19T17:12:19.454" v="59" actId="14100"/>
-          <ac:spMkLst>
-            <pc:docMk/>
-            <pc:sldMk cId="391996477" sldId="626"/>
-            <ac:spMk id="8" creationId="{2EB50106-6296-4BEE-A7D6-8B679438D54E}"/>
-          </ac:spMkLst>
-        </pc:spChg>
-        <pc:picChg chg="add del mod">
-          <ac:chgData name="Vieira Ferreira, Júlio" userId="b0398a4e-5165-4128-b747-904da519835a" providerId="ADAL" clId="{A5146B61-BEB7-4309-A0DC-A628A09958DE}" dt="2021-06-19T17:11:44.916" v="28" actId="478"/>
-          <ac:picMkLst>
-            <pc:docMk/>
-            <pc:sldMk cId="391996477" sldId="626"/>
-            <ac:picMk id="2" creationId="{45DC40B7-F5B2-4679-9999-79513849B433}"/>
-          </ac:picMkLst>
-        </pc:picChg>
-        <pc:picChg chg="del">
-          <ac:chgData name="Vieira Ferreira, Júlio" userId="b0398a4e-5165-4128-b747-904da519835a" providerId="ADAL" clId="{A5146B61-BEB7-4309-A0DC-A628A09958DE}" dt="2021-06-19T17:05:43.084" v="3" actId="478"/>
-          <ac:picMkLst>
-            <pc:docMk/>
-            <pc:sldMk cId="391996477" sldId="626"/>
-            <ac:picMk id="3" creationId="{691E737D-075F-4443-B769-C487A93AA717}"/>
-          </ac:picMkLst>
-        </pc:picChg>
-        <pc:picChg chg="add mod">
-          <ac:chgData name="Vieira Ferreira, Júlio" userId="b0398a4e-5165-4128-b747-904da519835a" providerId="ADAL" clId="{A5146B61-BEB7-4309-A0DC-A628A09958DE}" dt="2021-06-19T17:11:52.609" v="31" actId="1076"/>
-          <ac:picMkLst>
-            <pc:docMk/>
-            <pc:sldMk cId="391996477" sldId="626"/>
-            <ac:picMk id="4" creationId="{7E350DED-7460-4466-950F-CF202E9446D3}"/>
-          </ac:picMkLst>
-        </pc:picChg>
-        <pc:picChg chg="del">
-          <ac:chgData name="Vieira Ferreira, Júlio" userId="b0398a4e-5165-4128-b747-904da519835a" providerId="ADAL" clId="{A5146B61-BEB7-4309-A0DC-A628A09958DE}" dt="2021-06-19T17:05:44.725" v="4" actId="478"/>
-          <ac:picMkLst>
-            <pc:docMk/>
-            <pc:sldMk cId="391996477" sldId="626"/>
-            <ac:picMk id="5" creationId="{70660E08-0C2E-43BC-8AEC-B3A7092F4062}"/>
-          </ac:picMkLst>
-        </pc:picChg>
-      </pc:sldChg>
-      <pc:sldChg chg="modNotesTx">
-        <pc:chgData name="Vieira Ferreira, Júlio" userId="b0398a4e-5165-4128-b747-904da519835a" providerId="ADAL" clId="{A5146B61-BEB7-4309-A0DC-A628A09958DE}" dt="2021-06-28T19:32:50.326" v="118" actId="20577"/>
-        <pc:sldMkLst>
-          <pc:docMk/>
-          <pc:sldMk cId="1312899334" sldId="627"/>
-        </pc:sldMkLst>
-      </pc:sldChg>
-      <pc:sldChg chg="addSp delSp modSp mod">
-        <pc:chgData name="Vieira Ferreira, Júlio" userId="b0398a4e-5165-4128-b747-904da519835a" providerId="ADAL" clId="{A5146B61-BEB7-4309-A0DC-A628A09958DE}" dt="2021-06-19T17:40:59.806" v="114" actId="1076"/>
-        <pc:sldMkLst>
-          <pc:docMk/>
-          <pc:sldMk cId="1628545094" sldId="637"/>
-        </pc:sldMkLst>
-        <pc:spChg chg="mod">
-          <ac:chgData name="Vieira Ferreira, Júlio" userId="b0398a4e-5165-4128-b747-904da519835a" providerId="ADAL" clId="{A5146B61-BEB7-4309-A0DC-A628A09958DE}" dt="2021-06-19T17:25:26.255" v="70" actId="20577"/>
-          <ac:spMkLst>
-            <pc:docMk/>
-            <pc:sldMk cId="1628545094" sldId="637"/>
-            <ac:spMk id="6" creationId="{00000000-0000-0000-0000-000000000000}"/>
-          </ac:spMkLst>
-        </pc:spChg>
-        <pc:picChg chg="add del mod">
-          <ac:chgData name="Vieira Ferreira, Júlio" userId="b0398a4e-5165-4128-b747-904da519835a" providerId="ADAL" clId="{A5146B61-BEB7-4309-A0DC-A628A09958DE}" dt="2021-06-19T17:39:37.561" v="102" actId="478"/>
-          <ac:picMkLst>
-            <pc:docMk/>
-            <pc:sldMk cId="1628545094" sldId="637"/>
-            <ac:picMk id="2" creationId="{B0CDB414-41BC-4951-880A-22AA2980748B}"/>
-          </ac:picMkLst>
-        </pc:picChg>
-        <pc:picChg chg="del">
-          <ac:chgData name="Vieira Ferreira, Júlio" userId="b0398a4e-5165-4128-b747-904da519835a" providerId="ADAL" clId="{A5146B61-BEB7-4309-A0DC-A628A09958DE}" dt="2021-06-19T17:36:51.892" v="96" actId="478"/>
-          <ac:picMkLst>
-            <pc:docMk/>
-            <pc:sldMk cId="1628545094" sldId="637"/>
-            <ac:picMk id="3" creationId="{12697879-BBB2-405B-91F4-90B1E864B50A}"/>
-          </ac:picMkLst>
-        </pc:picChg>
-        <pc:picChg chg="add mod">
-          <ac:chgData name="Vieira Ferreira, Júlio" userId="b0398a4e-5165-4128-b747-904da519835a" providerId="ADAL" clId="{A5146B61-BEB7-4309-A0DC-A628A09958DE}" dt="2021-06-19T17:40:59.806" v="114" actId="1076"/>
-          <ac:picMkLst>
-            <pc:docMk/>
-            <pc:sldMk cId="1628545094" sldId="637"/>
-            <ac:picMk id="4" creationId="{2B8596EC-95C5-4A7A-8E81-EB760A7E440C}"/>
-          </ac:picMkLst>
-        </pc:picChg>
-      </pc:sldChg>
-      <pc:sldChg chg="addSp delSp modSp mod">
-        <pc:chgData name="Vieira Ferreira, Júlio" userId="b0398a4e-5165-4128-b747-904da519835a" providerId="ADAL" clId="{A5146B61-BEB7-4309-A0DC-A628A09958DE}" dt="2021-06-19T17:40:49.105" v="112" actId="1076"/>
-        <pc:sldMkLst>
-          <pc:docMk/>
-          <pc:sldMk cId="1205079706" sldId="651"/>
-        </pc:sldMkLst>
-        <pc:picChg chg="add mod">
-          <ac:chgData name="Vieira Ferreira, Júlio" userId="b0398a4e-5165-4128-b747-904da519835a" providerId="ADAL" clId="{A5146B61-BEB7-4309-A0DC-A628A09958DE}" dt="2021-06-19T17:40:49.105" v="112" actId="1076"/>
-          <ac:picMkLst>
-            <pc:docMk/>
-            <pc:sldMk cId="1205079706" sldId="651"/>
-            <ac:picMk id="2" creationId="{97F811B5-29D3-4A1F-87BC-230708C0BDD1}"/>
-          </ac:picMkLst>
-        </pc:picChg>
-        <pc:picChg chg="del">
-          <ac:chgData name="Vieira Ferreira, Júlio" userId="b0398a4e-5165-4128-b747-904da519835a" providerId="ADAL" clId="{A5146B61-BEB7-4309-A0DC-A628A09958DE}" dt="2021-06-19T17:40:12.565" v="105" actId="478"/>
-          <ac:picMkLst>
-            <pc:docMk/>
-            <pc:sldMk cId="1205079706" sldId="651"/>
-            <ac:picMk id="7" creationId="{0BC07F10-A8EA-43D7-B2E1-BBC7499A8206}"/>
-          </ac:picMkLst>
-        </pc:picChg>
-      </pc:sldChg>
-      <pc:sldChg chg="addSp delSp modSp mod">
-        <pc:chgData name="Vieira Ferreira, Júlio" userId="b0398a4e-5165-4128-b747-904da519835a" providerId="ADAL" clId="{A5146B61-BEB7-4309-A0DC-A628A09958DE}" dt="2021-06-19T17:40:44.912" v="111" actId="1076"/>
-        <pc:sldMkLst>
-          <pc:docMk/>
-          <pc:sldMk cId="3347430699" sldId="652"/>
-        </pc:sldMkLst>
-        <pc:picChg chg="add mod">
-          <ac:chgData name="Vieira Ferreira, Júlio" userId="b0398a4e-5165-4128-b747-904da519835a" providerId="ADAL" clId="{A5146B61-BEB7-4309-A0DC-A628A09958DE}" dt="2021-06-19T17:40:44.912" v="111" actId="1076"/>
-          <ac:picMkLst>
-            <pc:docMk/>
-            <pc:sldMk cId="3347430699" sldId="652"/>
-            <ac:picMk id="2" creationId="{43F681A6-1BC9-4548-AF13-D41F4DCCDF37}"/>
-          </ac:picMkLst>
-        </pc:picChg>
-        <pc:picChg chg="del">
-          <ac:chgData name="Vieira Ferreira, Júlio" userId="b0398a4e-5165-4128-b747-904da519835a" providerId="ADAL" clId="{A5146B61-BEB7-4309-A0DC-A628A09958DE}" dt="2021-06-19T17:40:38.893" v="108" actId="478"/>
-          <ac:picMkLst>
-            <pc:docMk/>
-            <pc:sldMk cId="3347430699" sldId="652"/>
-            <ac:picMk id="7" creationId="{EBE17D7B-89EC-47DC-AA91-424D0F9C683A}"/>
-          </ac:picMkLst>
-        </pc:picChg>
-      </pc:sldChg>
-      <pc:sldChg chg="addSp delSp modSp mod">
-        <pc:chgData name="Vieira Ferreira, Júlio" userId="b0398a4e-5165-4128-b747-904da519835a" providerId="ADAL" clId="{A5146B61-BEB7-4309-A0DC-A628A09958DE}" dt="2021-06-19T17:40:51.916" v="113" actId="1076"/>
-        <pc:sldMkLst>
-          <pc:docMk/>
-          <pc:sldMk cId="2056212490" sldId="653"/>
-        </pc:sldMkLst>
-        <pc:picChg chg="add mod">
-          <ac:chgData name="Vieira Ferreira, Júlio" userId="b0398a4e-5165-4128-b747-904da519835a" providerId="ADAL" clId="{A5146B61-BEB7-4309-A0DC-A628A09958DE}" dt="2021-06-19T17:40:51.916" v="113" actId="1076"/>
-          <ac:picMkLst>
-            <pc:docMk/>
-            <pc:sldMk cId="2056212490" sldId="653"/>
-            <ac:picMk id="2" creationId="{BAD702F0-B027-49E5-BAF0-46C2EE12F258}"/>
-          </ac:picMkLst>
-        </pc:picChg>
-        <pc:picChg chg="del">
-          <ac:chgData name="Vieira Ferreira, Júlio" userId="b0398a4e-5165-4128-b747-904da519835a" providerId="ADAL" clId="{A5146B61-BEB7-4309-A0DC-A628A09958DE}" dt="2021-06-19T17:37:10.773" v="99" actId="478"/>
-          <ac:picMkLst>
-            <pc:docMk/>
-            <pc:sldMk cId="2056212490" sldId="653"/>
-            <ac:picMk id="8" creationId="{729DB6F2-20A5-4C1B-B6F7-3E30AF51441C}"/>
-          </ac:picMkLst>
-        </pc:picChg>
-      </pc:sldChg>
-      <pc:sldChg chg="addSp delSp modSp mod">
-        <pc:chgData name="Vieira Ferreira, Júlio" userId="b0398a4e-5165-4128-b747-904da519835a" providerId="ADAL" clId="{A5146B61-BEB7-4309-A0DC-A628A09958DE}" dt="2021-06-19T17:41:08.450" v="115" actId="1076"/>
-        <pc:sldMkLst>
-          <pc:docMk/>
-          <pc:sldMk cId="178134095" sldId="656"/>
-        </pc:sldMkLst>
-        <pc:picChg chg="add del mod">
-          <ac:chgData name="Vieira Ferreira, Júlio" userId="b0398a4e-5165-4128-b747-904da519835a" providerId="ADAL" clId="{A5146B61-BEB7-4309-A0DC-A628A09958DE}" dt="2021-06-19T17:32:44.375" v="86" actId="21"/>
-          <ac:picMkLst>
-            <pc:docMk/>
-            <pc:sldMk cId="178134095" sldId="656"/>
-            <ac:picMk id="2" creationId="{97E41FB2-DDFE-40C8-A282-C31BAFBE9301}"/>
-          </ac:picMkLst>
-        </pc:picChg>
-        <pc:picChg chg="add del mod">
-          <ac:chgData name="Vieira Ferreira, Júlio" userId="b0398a4e-5165-4128-b747-904da519835a" providerId="ADAL" clId="{A5146B61-BEB7-4309-A0DC-A628A09958DE}" dt="2021-06-19T17:32:34.160" v="81"/>
-          <ac:picMkLst>
-            <pc:docMk/>
-            <pc:sldMk cId="178134095" sldId="656"/>
-            <ac:picMk id="3" creationId="{7C6CB923-5644-4182-890F-FFA6E2082B1E}"/>
-          </ac:picMkLst>
-        </pc:picChg>
-        <pc:picChg chg="add mod">
-          <ac:chgData name="Vieira Ferreira, Júlio" userId="b0398a4e-5165-4128-b747-904da519835a" providerId="ADAL" clId="{A5146B61-BEB7-4309-A0DC-A628A09958DE}" dt="2021-06-19T17:41:08.450" v="115" actId="1076"/>
-          <ac:picMkLst>
-            <pc:docMk/>
-            <pc:sldMk cId="178134095" sldId="656"/>
-            <ac:picMk id="4" creationId="{419A9331-9017-473B-8B18-035DD67CE5D4}"/>
-          </ac:picMkLst>
-        </pc:picChg>
-        <pc:picChg chg="del">
-          <ac:chgData name="Vieira Ferreira, Júlio" userId="b0398a4e-5165-4128-b747-904da519835a" providerId="ADAL" clId="{A5146B61-BEB7-4309-A0DC-A628A09958DE}" dt="2021-06-19T17:31:52.288" v="74" actId="478"/>
-          <ac:picMkLst>
-            <pc:docMk/>
-            <pc:sldMk cId="178134095" sldId="656"/>
-            <ac:picMk id="7" creationId="{EBE17D7B-89EC-47DC-AA91-424D0F9C683A}"/>
-          </ac:picMkLst>
-        </pc:picChg>
-      </pc:sldChg>
-      <pc:sldChg chg="addSp delSp modSp mod">
-        <pc:chgData name="Vieira Ferreira, Júlio" userId="b0398a4e-5165-4128-b747-904da519835a" providerId="ADAL" clId="{A5146B61-BEB7-4309-A0DC-A628A09958DE}" dt="2021-06-19T17:31:10.314" v="73" actId="1076"/>
-        <pc:sldMkLst>
-          <pc:docMk/>
-          <pc:sldMk cId="4270576426" sldId="661"/>
-        </pc:sldMkLst>
-        <pc:picChg chg="del">
-          <ac:chgData name="Vieira Ferreira, Júlio" userId="b0398a4e-5165-4128-b747-904da519835a" providerId="ADAL" clId="{A5146B61-BEB7-4309-A0DC-A628A09958DE}" dt="2021-06-19T17:30:45.707" v="71" actId="478"/>
-          <ac:picMkLst>
-            <pc:docMk/>
-            <pc:sldMk cId="4270576426" sldId="661"/>
-            <ac:picMk id="2" creationId="{DC33B466-8F23-4CAC-8D95-E5DF976374A3}"/>
-          </ac:picMkLst>
-        </pc:picChg>
-        <pc:picChg chg="add mod">
-          <ac:chgData name="Vieira Ferreira, Júlio" userId="b0398a4e-5165-4128-b747-904da519835a" providerId="ADAL" clId="{A5146B61-BEB7-4309-A0DC-A628A09958DE}" dt="2021-06-19T17:31:10.314" v="73" actId="1076"/>
-          <ac:picMkLst>
-            <pc:docMk/>
-            <pc:sldMk cId="4270576426" sldId="661"/>
-            <ac:picMk id="3" creationId="{977450AD-F53A-47E1-8D59-D36F311D5F63}"/>
-          </ac:picMkLst>
-        </pc:picChg>
-      </pc:sldChg>
-      <pc:sldChg chg="ord">
-        <pc:chgData name="Vieira Ferreira, Júlio" userId="b0398a4e-5165-4128-b747-904da519835a" providerId="ADAL" clId="{A5146B61-BEB7-4309-A0DC-A628A09958DE}" dt="2021-06-19T16:42:09.361" v="1"/>
-        <pc:sldMkLst>
-          <pc:docMk/>
-          <pc:sldMk cId="1410064784" sldId="662"/>
-        </pc:sldMkLst>
-      </pc:sldChg>
-      <pc:sldChg chg="addSp delSp modSp add mod">
-        <pc:chgData name="Vieira Ferreira, Júlio" userId="b0398a4e-5165-4128-b747-904da519835a" providerId="ADAL" clId="{A5146B61-BEB7-4309-A0DC-A628A09958DE}" dt="2021-06-19T17:35:22.754" v="94" actId="14100"/>
-        <pc:sldMkLst>
-          <pc:docMk/>
-          <pc:sldMk cId="1692865295" sldId="666"/>
-        </pc:sldMkLst>
-        <pc:picChg chg="add del mod">
-          <ac:chgData name="Vieira Ferreira, Júlio" userId="b0398a4e-5165-4128-b747-904da519835a" providerId="ADAL" clId="{A5146B61-BEB7-4309-A0DC-A628A09958DE}" dt="2021-06-19T17:34:05.136" v="87" actId="478"/>
-          <ac:picMkLst>
-            <pc:docMk/>
-            <pc:sldMk cId="1692865295" sldId="666"/>
-            <ac:picMk id="2" creationId="{B903B2BB-BEC9-4111-8B38-0A6BF77B52ED}"/>
-          </ac:picMkLst>
-        </pc:picChg>
-        <pc:picChg chg="add del mod">
-          <ac:chgData name="Vieira Ferreira, Júlio" userId="b0398a4e-5165-4128-b747-904da519835a" providerId="ADAL" clId="{A5146B61-BEB7-4309-A0DC-A628A09958DE}" dt="2021-06-19T17:35:14.740" v="91" actId="478"/>
-          <ac:picMkLst>
-            <pc:docMk/>
-            <pc:sldMk cId="1692865295" sldId="666"/>
-            <ac:picMk id="4" creationId="{73465677-BDC6-4983-B822-EC86B808A86A}"/>
-          </ac:picMkLst>
-        </pc:picChg>
-        <pc:picChg chg="del">
-          <ac:chgData name="Vieira Ferreira, Júlio" userId="b0398a4e-5165-4128-b747-904da519835a" providerId="ADAL" clId="{A5146B61-BEB7-4309-A0DC-A628A09958DE}" dt="2021-06-19T17:21:10.040" v="61" actId="478"/>
-          <ac:picMkLst>
-            <pc:docMk/>
-            <pc:sldMk cId="1692865295" sldId="666"/>
-            <ac:picMk id="5" creationId="{70660E08-0C2E-43BC-8AEC-B3A7092F4062}"/>
-          </ac:picMkLst>
-        </pc:picChg>
-        <pc:picChg chg="add mod">
-          <ac:chgData name="Vieira Ferreira, Júlio" userId="b0398a4e-5165-4128-b747-904da519835a" providerId="ADAL" clId="{A5146B61-BEB7-4309-A0DC-A628A09958DE}" dt="2021-06-19T17:35:22.754" v="94" actId="14100"/>
-          <ac:picMkLst>
-            <pc:docMk/>
-            <pc:sldMk cId="1692865295" sldId="666"/>
-            <ac:picMk id="6" creationId="{0B449263-036B-4BAD-B1A8-99915FD6A654}"/>
-          </ac:picMkLst>
-        </pc:picChg>
-      </pc:sldChg>
-      <pc:sldChg chg="add del">
-        <pc:chgData name="Vieira Ferreira, Júlio" userId="b0398a4e-5165-4128-b747-904da519835a" providerId="ADAL" clId="{A5146B61-BEB7-4309-A0DC-A628A09958DE}" dt="2021-06-19T17:35:55.727" v="95" actId="47"/>
-        <pc:sldMkLst>
-          <pc:docMk/>
-          <pc:sldMk cId="4174397877" sldId="667"/>
+          <pc:sldMk cId="0" sldId="256"/>
         </pc:sldMkLst>
       </pc:sldChg>
     </pc:docChg>
@@ -543,14 +272,6 @@
           <pc:docMk/>
           <pc:sldMk cId="3059369118" sldId="257"/>
         </pc:sldMkLst>
-        <pc:spChg chg="mod">
-          <ac:chgData name="Vieira Ferreira, Júlio" userId="b0398a4e-5165-4128-b747-904da519835a" providerId="ADAL" clId="{B728F0C0-DAB7-4E96-8B14-B597E0676F6D}" dt="2021-06-01T11:27:40.348" v="185" actId="20577"/>
-          <ac:spMkLst>
-            <pc:docMk/>
-            <pc:sldMk cId="3059369118" sldId="257"/>
-            <ac:spMk id="14342" creationId="{00000000-0000-0000-0000-000000000000}"/>
-          </ac:spMkLst>
-        </pc:spChg>
       </pc:sldChg>
       <pc:sldChg chg="modNotesTx">
         <pc:chgData name="Vieira Ferreira, Júlio" userId="b0398a4e-5165-4128-b747-904da519835a" providerId="ADAL" clId="{B728F0C0-DAB7-4E96-8B14-B597E0676F6D}" dt="2021-06-01T11:52:46.586" v="187" actId="6549"/>
@@ -565,38 +286,6 @@
           <pc:docMk/>
           <pc:sldMk cId="1656227321" sldId="663"/>
         </pc:sldMkLst>
-        <pc:spChg chg="add mod">
-          <ac:chgData name="Vieira Ferreira, Júlio" userId="b0398a4e-5165-4128-b747-904da519835a" providerId="ADAL" clId="{B728F0C0-DAB7-4E96-8B14-B597E0676F6D}" dt="2021-05-17T13:03:49.689" v="169" actId="20577"/>
-          <ac:spMkLst>
-            <pc:docMk/>
-            <pc:sldMk cId="1656227321" sldId="663"/>
-            <ac:spMk id="7" creationId="{78FE5241-8020-4564-987E-66C5F0E009D7}"/>
-          </ac:spMkLst>
-        </pc:spChg>
-        <pc:spChg chg="mod">
-          <ac:chgData name="Vieira Ferreira, Júlio" userId="b0398a4e-5165-4128-b747-904da519835a" providerId="ADAL" clId="{B728F0C0-DAB7-4E96-8B14-B597E0676F6D}" dt="2021-05-16T17:17:51.909" v="11" actId="20577"/>
-          <ac:spMkLst>
-            <pc:docMk/>
-            <pc:sldMk cId="1656227321" sldId="663"/>
-            <ac:spMk id="8" creationId="{2EB50106-6296-4BEE-A7D6-8B679438D54E}"/>
-          </ac:spMkLst>
-        </pc:spChg>
-        <pc:picChg chg="del">
-          <ac:chgData name="Vieira Ferreira, Júlio" userId="b0398a4e-5165-4128-b747-904da519835a" providerId="ADAL" clId="{B728F0C0-DAB7-4E96-8B14-B597E0676F6D}" dt="2021-05-16T17:17:42.822" v="1" actId="478"/>
-          <ac:picMkLst>
-            <pc:docMk/>
-            <pc:sldMk cId="1656227321" sldId="663"/>
-            <ac:picMk id="2" creationId="{57264827-E023-47CE-9597-17ADE818D47B}"/>
-          </ac:picMkLst>
-        </pc:picChg>
-        <pc:picChg chg="add mod">
-          <ac:chgData name="Vieira Ferreira, Júlio" userId="b0398a4e-5165-4128-b747-904da519835a" providerId="ADAL" clId="{B728F0C0-DAB7-4E96-8B14-B597E0676F6D}" dt="2021-05-17T13:03:55.444" v="170" actId="1076"/>
-          <ac:picMkLst>
-            <pc:docMk/>
-            <pc:sldMk cId="1656227321" sldId="663"/>
-            <ac:picMk id="3" creationId="{79EC11BC-13B8-4C6F-81EB-7B8BEE8C6BCE}"/>
-          </ac:picMkLst>
-        </pc:picChg>
       </pc:sldChg>
       <pc:sldChg chg="delSp modSp add mod modNotesTx">
         <pc:chgData name="Vieira Ferreira, Júlio" userId="b0398a4e-5165-4128-b747-904da519835a" providerId="ADAL" clId="{B728F0C0-DAB7-4E96-8B14-B597E0676F6D}" dt="2021-05-16T17:33:21.722" v="146" actId="20577"/>
@@ -604,22 +293,6 @@
           <pc:docMk/>
           <pc:sldMk cId="1694578034" sldId="664"/>
         </pc:sldMkLst>
-        <pc:spChg chg="mod">
-          <ac:chgData name="Vieira Ferreira, Júlio" userId="b0398a4e-5165-4128-b747-904da519835a" providerId="ADAL" clId="{B728F0C0-DAB7-4E96-8B14-B597E0676F6D}" dt="2021-05-16T17:33:21.722" v="146" actId="20577"/>
-          <ac:spMkLst>
-            <pc:docMk/>
-            <pc:sldMk cId="1694578034" sldId="664"/>
-            <ac:spMk id="3" creationId="{C1E71E98-E668-4F2B-90A1-9DF1CB58173D}"/>
-          </ac:spMkLst>
-        </pc:spChg>
-        <pc:spChg chg="del mod">
-          <ac:chgData name="Vieira Ferreira, Júlio" userId="b0398a4e-5165-4128-b747-904da519835a" providerId="ADAL" clId="{B728F0C0-DAB7-4E96-8B14-B597E0676F6D}" dt="2021-05-16T17:27:59.223" v="73"/>
-          <ac:spMkLst>
-            <pc:docMk/>
-            <pc:sldMk cId="1694578034" sldId="664"/>
-            <ac:spMk id="7" creationId="{2626E973-F4EB-44CD-9AAF-80A2960FB20F}"/>
-          </ac:spMkLst>
-        </pc:spChg>
       </pc:sldChg>
       <pc:sldChg chg="modSp add mod">
         <pc:chgData name="Vieira Ferreira, Júlio" userId="b0398a4e-5165-4128-b747-904da519835a" providerId="ADAL" clId="{B728F0C0-DAB7-4E96-8B14-B597E0676F6D}" dt="2021-05-16T17:35:14.770" v="167" actId="20577"/>
@@ -627,14 +300,6 @@
           <pc:docMk/>
           <pc:sldMk cId="517532588" sldId="665"/>
         </pc:sldMkLst>
-        <pc:spChg chg="mod">
-          <ac:chgData name="Vieira Ferreira, Júlio" userId="b0398a4e-5165-4128-b747-904da519835a" providerId="ADAL" clId="{B728F0C0-DAB7-4E96-8B14-B597E0676F6D}" dt="2021-05-16T17:35:14.770" v="167" actId="20577"/>
-          <ac:spMkLst>
-            <pc:docMk/>
-            <pc:sldMk cId="517532588" sldId="665"/>
-            <ac:spMk id="3" creationId="{C1E71E98-E668-4F2B-90A1-9DF1CB58173D}"/>
-          </ac:spMkLst>
-        </pc:spChg>
       </pc:sldChg>
     </pc:docChg>
   </pc:docChgLst>
@@ -651,46 +316,108 @@
           <pc:docMk/>
           <pc:sldMk cId="1616455145" sldId="667"/>
         </pc:sldMkLst>
-        <pc:spChg chg="del">
-          <ac:chgData name="Vieira Ferreira, Júlio" userId="b0398a4e-5165-4128-b747-904da519835a" providerId="ADAL" clId="{9131F396-B620-44F5-8D3C-79B62E403E34}" dt="2022-05-30T20:39:08.110" v="2" actId="478"/>
-          <ac:spMkLst>
-            <pc:docMk/>
-            <pc:sldMk cId="1616455145" sldId="667"/>
-            <ac:spMk id="7" creationId="{78FE5241-8020-4564-987E-66C5F0E009D7}"/>
-          </ac:spMkLst>
-        </pc:spChg>
-        <pc:picChg chg="del">
-          <ac:chgData name="Vieira Ferreira, Júlio" userId="b0398a4e-5165-4128-b747-904da519835a" providerId="ADAL" clId="{9131F396-B620-44F5-8D3C-79B62E403E34}" dt="2022-05-30T20:39:05.620" v="1" actId="478"/>
-          <ac:picMkLst>
-            <pc:docMk/>
-            <pc:sldMk cId="1616455145" sldId="667"/>
-            <ac:picMk id="3" creationId="{79EC11BC-13B8-4C6F-81EB-7B8BEE8C6BCE}"/>
-          </ac:picMkLst>
-        </pc:picChg>
-        <pc:picChg chg="add mod ord">
-          <ac:chgData name="Vieira Ferreira, Júlio" userId="b0398a4e-5165-4128-b747-904da519835a" providerId="ADAL" clId="{9131F396-B620-44F5-8D3C-79B62E403E34}" dt="2022-05-30T20:41:55.805" v="24" actId="1036"/>
-          <ac:picMkLst>
-            <pc:docMk/>
-            <pc:sldMk cId="1616455145" sldId="667"/>
-            <ac:picMk id="4" creationId="{44BA5E5B-05D0-47AE-B95F-0EB4BD3363BD}"/>
-          </ac:picMkLst>
-        </pc:picChg>
-        <pc:picChg chg="add del mod">
-          <ac:chgData name="Vieira Ferreira, Júlio" userId="b0398a4e-5165-4128-b747-904da519835a" providerId="ADAL" clId="{9131F396-B620-44F5-8D3C-79B62E403E34}" dt="2022-05-30T20:41:17.945" v="15" actId="478"/>
-          <ac:picMkLst>
-            <pc:docMk/>
-            <pc:sldMk cId="1616455145" sldId="667"/>
-            <ac:picMk id="6" creationId="{8FE9C33F-9940-4B44-99DE-7817555C8671}"/>
-          </ac:picMkLst>
-        </pc:picChg>
-        <pc:picChg chg="add mod">
-          <ac:chgData name="Vieira Ferreira, Júlio" userId="b0398a4e-5165-4128-b747-904da519835a" providerId="ADAL" clId="{9131F396-B620-44F5-8D3C-79B62E403E34}" dt="2022-05-30T20:41:24.031" v="17" actId="1076"/>
-          <ac:picMkLst>
-            <pc:docMk/>
-            <pc:sldMk cId="1616455145" sldId="667"/>
-            <ac:picMk id="10" creationId="{13195B47-8EE6-455E-89B9-07F4AF0F5169}"/>
-          </ac:picMkLst>
-        </pc:picChg>
+      </pc:sldChg>
+    </pc:docChg>
+  </pc:docChgLst>
+  <pc:docChgLst>
+    <pc:chgData name="sabrina ferreira" userId="8a60b91510ba8e9f" providerId="LiveId" clId="{B22DDE9B-EC96-49F8-9E34-D6C1F484F955}"/>
+    <pc:docChg chg="delSld">
+      <pc:chgData name="sabrina ferreira" userId="8a60b91510ba8e9f" providerId="LiveId" clId="{B22DDE9B-EC96-49F8-9E34-D6C1F484F955}" dt="2025-10-30T03:30:41.252" v="0" actId="47"/>
+      <pc:docMkLst>
+        <pc:docMk/>
+      </pc:docMkLst>
+      <pc:sldChg chg="del">
+        <pc:chgData name="sabrina ferreira" userId="8a60b91510ba8e9f" providerId="LiveId" clId="{B22DDE9B-EC96-49F8-9E34-D6C1F484F955}" dt="2025-10-30T03:30:41.252" v="0" actId="47"/>
+        <pc:sldMkLst>
+          <pc:docMk/>
+          <pc:sldMk cId="2822689338" sldId="668"/>
+        </pc:sldMkLst>
+      </pc:sldChg>
+    </pc:docChg>
+  </pc:docChgLst>
+  <pc:docChgLst>
+    <pc:chgData name="Vieira Ferreira, Júlio" userId="b0398a4e-5165-4128-b747-904da519835a" providerId="ADAL" clId="{A5146B61-BEB7-4309-A0DC-A628A09958DE}"/>
+    <pc:docChg chg="undo custSel addSld delSld modSld sldOrd">
+      <pc:chgData name="Vieira Ferreira, Júlio" userId="b0398a4e-5165-4128-b747-904da519835a" providerId="ADAL" clId="{A5146B61-BEB7-4309-A0DC-A628A09958DE}" dt="2021-06-28T19:32:50.326" v="118" actId="20577"/>
+      <pc:docMkLst>
+        <pc:docMk/>
+      </pc:docMkLst>
+      <pc:sldChg chg="addSp delSp modSp mod">
+        <pc:chgData name="Vieira Ferreira, Júlio" userId="b0398a4e-5165-4128-b747-904da519835a" providerId="ADAL" clId="{A5146B61-BEB7-4309-A0DC-A628A09958DE}" dt="2021-06-19T17:12:19.454" v="59" actId="14100"/>
+        <pc:sldMkLst>
+          <pc:docMk/>
+          <pc:sldMk cId="391996477" sldId="626"/>
+        </pc:sldMkLst>
+      </pc:sldChg>
+      <pc:sldChg chg="modNotesTx">
+        <pc:chgData name="Vieira Ferreira, Júlio" userId="b0398a4e-5165-4128-b747-904da519835a" providerId="ADAL" clId="{A5146B61-BEB7-4309-A0DC-A628A09958DE}" dt="2021-06-28T19:32:50.326" v="118" actId="20577"/>
+        <pc:sldMkLst>
+          <pc:docMk/>
+          <pc:sldMk cId="1312899334" sldId="627"/>
+        </pc:sldMkLst>
+      </pc:sldChg>
+      <pc:sldChg chg="addSp delSp modSp mod">
+        <pc:chgData name="Vieira Ferreira, Júlio" userId="b0398a4e-5165-4128-b747-904da519835a" providerId="ADAL" clId="{A5146B61-BEB7-4309-A0DC-A628A09958DE}" dt="2021-06-19T17:40:59.806" v="114" actId="1076"/>
+        <pc:sldMkLst>
+          <pc:docMk/>
+          <pc:sldMk cId="1628545094" sldId="637"/>
+        </pc:sldMkLst>
+      </pc:sldChg>
+      <pc:sldChg chg="addSp delSp modSp mod">
+        <pc:chgData name="Vieira Ferreira, Júlio" userId="b0398a4e-5165-4128-b747-904da519835a" providerId="ADAL" clId="{A5146B61-BEB7-4309-A0DC-A628A09958DE}" dt="2021-06-19T17:40:49.105" v="112" actId="1076"/>
+        <pc:sldMkLst>
+          <pc:docMk/>
+          <pc:sldMk cId="1205079706" sldId="651"/>
+        </pc:sldMkLst>
+      </pc:sldChg>
+      <pc:sldChg chg="addSp delSp modSp mod">
+        <pc:chgData name="Vieira Ferreira, Júlio" userId="b0398a4e-5165-4128-b747-904da519835a" providerId="ADAL" clId="{A5146B61-BEB7-4309-A0DC-A628A09958DE}" dt="2021-06-19T17:40:44.912" v="111" actId="1076"/>
+        <pc:sldMkLst>
+          <pc:docMk/>
+          <pc:sldMk cId="3347430699" sldId="652"/>
+        </pc:sldMkLst>
+      </pc:sldChg>
+      <pc:sldChg chg="addSp delSp modSp mod">
+        <pc:chgData name="Vieira Ferreira, Júlio" userId="b0398a4e-5165-4128-b747-904da519835a" providerId="ADAL" clId="{A5146B61-BEB7-4309-A0DC-A628A09958DE}" dt="2021-06-19T17:40:51.916" v="113" actId="1076"/>
+        <pc:sldMkLst>
+          <pc:docMk/>
+          <pc:sldMk cId="2056212490" sldId="653"/>
+        </pc:sldMkLst>
+      </pc:sldChg>
+      <pc:sldChg chg="addSp delSp modSp mod">
+        <pc:chgData name="Vieira Ferreira, Júlio" userId="b0398a4e-5165-4128-b747-904da519835a" providerId="ADAL" clId="{A5146B61-BEB7-4309-A0DC-A628A09958DE}" dt="2021-06-19T17:41:08.450" v="115" actId="1076"/>
+        <pc:sldMkLst>
+          <pc:docMk/>
+          <pc:sldMk cId="178134095" sldId="656"/>
+        </pc:sldMkLst>
+      </pc:sldChg>
+      <pc:sldChg chg="addSp delSp modSp mod">
+        <pc:chgData name="Vieira Ferreira, Júlio" userId="b0398a4e-5165-4128-b747-904da519835a" providerId="ADAL" clId="{A5146B61-BEB7-4309-A0DC-A628A09958DE}" dt="2021-06-19T17:31:10.314" v="73" actId="1076"/>
+        <pc:sldMkLst>
+          <pc:docMk/>
+          <pc:sldMk cId="4270576426" sldId="661"/>
+        </pc:sldMkLst>
+      </pc:sldChg>
+      <pc:sldChg chg="ord">
+        <pc:chgData name="Vieira Ferreira, Júlio" userId="b0398a4e-5165-4128-b747-904da519835a" providerId="ADAL" clId="{A5146B61-BEB7-4309-A0DC-A628A09958DE}" dt="2021-06-19T16:42:09.361" v="1"/>
+        <pc:sldMkLst>
+          <pc:docMk/>
+          <pc:sldMk cId="1410064784" sldId="662"/>
+        </pc:sldMkLst>
+      </pc:sldChg>
+      <pc:sldChg chg="addSp delSp modSp add mod">
+        <pc:chgData name="Vieira Ferreira, Júlio" userId="b0398a4e-5165-4128-b747-904da519835a" providerId="ADAL" clId="{A5146B61-BEB7-4309-A0DC-A628A09958DE}" dt="2021-06-19T17:35:22.754" v="94" actId="14100"/>
+        <pc:sldMkLst>
+          <pc:docMk/>
+          <pc:sldMk cId="1692865295" sldId="666"/>
+        </pc:sldMkLst>
+      </pc:sldChg>
+      <pc:sldChg chg="add del">
+        <pc:chgData name="Vieira Ferreira, Júlio" userId="b0398a4e-5165-4128-b747-904da519835a" providerId="ADAL" clId="{A5146B61-BEB7-4309-A0DC-A628A09958DE}" dt="2021-06-19T17:35:55.727" v="95" actId="47"/>
+        <pc:sldMkLst>
+          <pc:docMk/>
+          <pc:sldMk cId="4174397877" sldId="667"/>
+        </pc:sldMkLst>
       </pc:sldChg>
     </pc:docChg>
   </pc:docChgLst>
@@ -707,14 +434,6 @@
           <pc:docMk/>
           <pc:sldMk cId="0" sldId="256"/>
         </pc:sldMkLst>
-        <pc:spChg chg="mod">
-          <ac:chgData name="Vieira Ferreira, Júlio" userId="b0398a4e-5165-4128-b747-904da519835a" providerId="ADAL" clId="{EF7FD699-F8EC-46D9-95E0-F63D25AA7752}" dt="2023-05-22T21:11:29.754" v="1" actId="20577"/>
-          <ac:spMkLst>
-            <pc:docMk/>
-            <pc:sldMk cId="0" sldId="256"/>
-            <ac:spMk id="13317" creationId="{00000000-0000-0000-0000-000000000000}"/>
-          </ac:spMkLst>
-        </pc:spChg>
       </pc:sldChg>
       <pc:sldChg chg="modSp mod">
         <pc:chgData name="Vieira Ferreira, Júlio" userId="b0398a4e-5165-4128-b747-904da519835a" providerId="ADAL" clId="{EF7FD699-F8EC-46D9-95E0-F63D25AA7752}" dt="2023-05-22T23:34:28.951" v="2" actId="20577"/>
@@ -722,38 +441,6 @@
           <pc:docMk/>
           <pc:sldMk cId="1656227321" sldId="663"/>
         </pc:sldMkLst>
-        <pc:spChg chg="mod">
-          <ac:chgData name="Vieira Ferreira, Júlio" userId="b0398a4e-5165-4128-b747-904da519835a" providerId="ADAL" clId="{EF7FD699-F8EC-46D9-95E0-F63D25AA7752}" dt="2023-05-22T23:34:28.951" v="2" actId="20577"/>
-          <ac:spMkLst>
-            <pc:docMk/>
-            <pc:sldMk cId="1656227321" sldId="663"/>
-            <ac:spMk id="8" creationId="{2EB50106-6296-4BEE-A7D6-8B679438D54E}"/>
-          </ac:spMkLst>
-        </pc:spChg>
-      </pc:sldChg>
-    </pc:docChg>
-  </pc:docChgLst>
-  <pc:docChgLst>
-    <pc:chgData name="Vieira Ferreira, Júlio" userId="b0398a4e-5165-4128-b747-904da519835a" providerId="ADAL" clId="{E09A4ED3-8411-4FFB-9DC4-FC4F29323551}"/>
-    <pc:docChg chg="modSld">
-      <pc:chgData name="Vieira Ferreira, Júlio" userId="b0398a4e-5165-4128-b747-904da519835a" providerId="ADAL" clId="{E09A4ED3-8411-4FFB-9DC4-FC4F29323551}" dt="2023-08-23T12:32:07.286" v="3" actId="20577"/>
-      <pc:docMkLst>
-        <pc:docMk/>
-      </pc:docMkLst>
-      <pc:sldChg chg="modSp mod">
-        <pc:chgData name="Vieira Ferreira, Júlio" userId="b0398a4e-5165-4128-b747-904da519835a" providerId="ADAL" clId="{E09A4ED3-8411-4FFB-9DC4-FC4F29323551}" dt="2023-08-23T12:32:07.286" v="3" actId="20577"/>
-        <pc:sldMkLst>
-          <pc:docMk/>
-          <pc:sldMk cId="0" sldId="256"/>
-        </pc:sldMkLst>
-        <pc:spChg chg="mod">
-          <ac:chgData name="Vieira Ferreira, Júlio" userId="b0398a4e-5165-4128-b747-904da519835a" providerId="ADAL" clId="{E09A4ED3-8411-4FFB-9DC4-FC4F29323551}" dt="2023-08-23T12:32:07.286" v="3" actId="20577"/>
-          <ac:spMkLst>
-            <pc:docMk/>
-            <pc:sldMk cId="0" sldId="256"/>
-            <ac:spMk id="13317" creationId="{00000000-0000-0000-0000-000000000000}"/>
-          </ac:spMkLst>
-        </pc:spChg>
       </pc:sldChg>
     </pc:docChg>
   </pc:docChgLst>
@@ -1004,7 +691,7 @@
                 <a:buNone/>
                 <a:defRPr/>
               </a:pPr>
-              <a:t>‹#›</a:t>
+              <a:t>‹nº›</a:t>
             </a:fld>
             <a:endParaRPr lang="en-US" sz="1000">
               <a:solidFill>
@@ -3644,7 +3331,7 @@
                 </a:tabLst>
                 <a:defRPr/>
               </a:pPr>
-              <a:t>‹#›</a:t>
+              <a:t>‹nº›</a:t>
             </a:fld>
             <a:endParaRPr lang="en-US" sz="1000">
               <a:solidFill>
@@ -4021,270 +3708,6 @@
           <p:cNvPr id="2" name="Notes Placeholder 1">
             <a:extLst>
               <a:ext uri="{FF2B5EF4-FFF2-40B4-BE49-F238E27FC236}">
-                <a16:creationId xmlns:a16="http://schemas.microsoft.com/office/drawing/2014/main" id="{6122B7DF-BEB3-40E2-B821-F4AFEBF11E6F}"/>
-              </a:ext>
-            </a:extLst>
-          </p:cNvPr>
-          <p:cNvSpPr>
-            <a:spLocks noGrp="1"/>
-          </p:cNvSpPr>
-          <p:nvPr>
-            <p:ph type="body" idx="1"/>
-          </p:nvPr>
-        </p:nvSpPr>
-        <p:spPr/>
-        <p:txBody>
-          <a:bodyPr/>
-          <a:lstStyle/>
-          <a:p>
-            <a:r>
-              <a:rPr lang="en-US" sz="1000" b="1" kern="1200" dirty="0">
-                <a:solidFill>
-                  <a:srgbClr val="000000"/>
-                </a:solidFill>
-                <a:effectLst/>
-                <a:latin typeface="Arial" pitchFamily="34" charset="0"/>
-                <a:ea typeface="+mn-ea"/>
-                <a:cs typeface="Arial" pitchFamily="34" charset="0"/>
-              </a:rPr>
-              <a:t>spring.application.name=</a:t>
-            </a:r>
-            <a:r>
-              <a:rPr lang="en-US" sz="1000" b="1" kern="1200" dirty="0" err="1">
-                <a:solidFill>
-                  <a:srgbClr val="000000"/>
-                </a:solidFill>
-                <a:effectLst/>
-                <a:latin typeface="Arial" pitchFamily="34" charset="0"/>
-                <a:ea typeface="+mn-ea"/>
-                <a:cs typeface="Arial" pitchFamily="34" charset="0"/>
-              </a:rPr>
-              <a:t>genaisdk</a:t>
-            </a:r>
-            <a:endParaRPr lang="en-US" sz="1000" b="1" kern="1200" dirty="0">
-              <a:solidFill>
-                <a:srgbClr val="000000"/>
-              </a:solidFill>
-              <a:effectLst/>
-              <a:latin typeface="Arial" pitchFamily="34" charset="0"/>
-              <a:ea typeface="+mn-ea"/>
-              <a:cs typeface="Arial" pitchFamily="34" charset="0"/>
-            </a:endParaRPr>
-          </a:p>
-          <a:p>
-            <a:br>
-              <a:rPr lang="en-US" sz="1000" b="1" kern="1200" dirty="0">
-                <a:solidFill>
-                  <a:srgbClr val="000000"/>
-                </a:solidFill>
-                <a:effectLst/>
-                <a:latin typeface="Arial" pitchFamily="34" charset="0"/>
-                <a:ea typeface="+mn-ea"/>
-                <a:cs typeface="Arial" pitchFamily="34" charset="0"/>
-              </a:rPr>
-            </a:br>
-            <a:endParaRPr lang="en-US" sz="1000" b="1" kern="1200" dirty="0">
-              <a:solidFill>
-                <a:srgbClr val="000000"/>
-              </a:solidFill>
-              <a:effectLst/>
-              <a:latin typeface="Arial" pitchFamily="34" charset="0"/>
-              <a:ea typeface="+mn-ea"/>
-              <a:cs typeface="Arial" pitchFamily="34" charset="0"/>
-            </a:endParaRPr>
-          </a:p>
-          <a:p>
-            <a:r>
-              <a:rPr lang="en-US" sz="1000" b="1" kern="1200" dirty="0" err="1">
-                <a:solidFill>
-                  <a:srgbClr val="000000"/>
-                </a:solidFill>
-                <a:effectLst/>
-                <a:latin typeface="Arial" pitchFamily="34" charset="0"/>
-                <a:ea typeface="+mn-ea"/>
-                <a:cs typeface="Arial" pitchFamily="34" charset="0"/>
-              </a:rPr>
-              <a:t>spring.ai.google.genai.api</a:t>
-            </a:r>
-            <a:r>
-              <a:rPr lang="en-US" sz="1000" b="1" kern="1200" dirty="0">
-                <a:solidFill>
-                  <a:srgbClr val="000000"/>
-                </a:solidFill>
-                <a:effectLst/>
-                <a:latin typeface="Arial" pitchFamily="34" charset="0"/>
-                <a:ea typeface="+mn-ea"/>
-                <a:cs typeface="Arial" pitchFamily="34" charset="0"/>
-              </a:rPr>
-              <a:t>-key=${GEMINI_API_KEY}</a:t>
-            </a:r>
-          </a:p>
-          <a:p>
-            <a:br>
-              <a:rPr lang="en-US" sz="1000" b="1" kern="1200" dirty="0">
-                <a:solidFill>
-                  <a:srgbClr val="000000"/>
-                </a:solidFill>
-                <a:effectLst/>
-                <a:latin typeface="Arial" pitchFamily="34" charset="0"/>
-                <a:ea typeface="+mn-ea"/>
-                <a:cs typeface="Arial" pitchFamily="34" charset="0"/>
-              </a:rPr>
-            </a:br>
-            <a:endParaRPr lang="en-US" sz="1000" b="1" kern="1200" dirty="0">
-              <a:solidFill>
-                <a:srgbClr val="000000"/>
-              </a:solidFill>
-              <a:effectLst/>
-              <a:latin typeface="Arial" pitchFamily="34" charset="0"/>
-              <a:ea typeface="+mn-ea"/>
-              <a:cs typeface="Arial" pitchFamily="34" charset="0"/>
-            </a:endParaRPr>
-          </a:p>
-          <a:p>
-            <a:r>
-              <a:rPr lang="en-US" sz="1000" b="1" kern="1200" dirty="0" err="1">
-                <a:solidFill>
-                  <a:srgbClr val="000000"/>
-                </a:solidFill>
-                <a:effectLst/>
-                <a:latin typeface="Arial" pitchFamily="34" charset="0"/>
-                <a:ea typeface="+mn-ea"/>
-                <a:cs typeface="Arial" pitchFamily="34" charset="0"/>
-              </a:rPr>
-              <a:t>spring.ai.google.genai.chat.options.model</a:t>
-            </a:r>
-            <a:r>
-              <a:rPr lang="en-US" sz="1000" b="1" kern="1200" dirty="0">
-                <a:solidFill>
-                  <a:srgbClr val="000000"/>
-                </a:solidFill>
-                <a:effectLst/>
-                <a:latin typeface="Arial" pitchFamily="34" charset="0"/>
-                <a:ea typeface="+mn-ea"/>
-                <a:cs typeface="Arial" pitchFamily="34" charset="0"/>
-              </a:rPr>
-              <a:t>=gemini-2.5-pro</a:t>
-            </a:r>
-          </a:p>
-          <a:p>
-            <a:r>
-              <a:rPr lang="en-US" sz="1000" b="1" kern="1200" dirty="0" err="1">
-                <a:solidFill>
-                  <a:srgbClr val="000000"/>
-                </a:solidFill>
-                <a:effectLst/>
-                <a:latin typeface="Arial" pitchFamily="34" charset="0"/>
-                <a:ea typeface="+mn-ea"/>
-                <a:cs typeface="Arial" pitchFamily="34" charset="0"/>
-              </a:rPr>
-              <a:t>spring.ai.google.genai.chat.options.temperature</a:t>
-            </a:r>
-            <a:r>
-              <a:rPr lang="en-US" sz="1000" b="1" kern="1200" dirty="0">
-                <a:solidFill>
-                  <a:srgbClr val="000000"/>
-                </a:solidFill>
-                <a:effectLst/>
-                <a:latin typeface="Arial" pitchFamily="34" charset="0"/>
-                <a:ea typeface="+mn-ea"/>
-                <a:cs typeface="Arial" pitchFamily="34" charset="0"/>
-              </a:rPr>
-              <a:t>=0.5</a:t>
-            </a:r>
-          </a:p>
-          <a:p>
-            <a:r>
-              <a:rPr lang="en-US" sz="1000" b="1" kern="1200" dirty="0" err="1">
-                <a:solidFill>
-                  <a:srgbClr val="000000"/>
-                </a:solidFill>
-                <a:effectLst/>
-                <a:latin typeface="Arial" pitchFamily="34" charset="0"/>
-                <a:ea typeface="+mn-ea"/>
-                <a:cs typeface="Arial" pitchFamily="34" charset="0"/>
-              </a:rPr>
-              <a:t>spring.ai.google.genai.chat.options.top</a:t>
-            </a:r>
-            <a:r>
-              <a:rPr lang="en-US" sz="1000" b="1" kern="1200" dirty="0">
-                <a:solidFill>
-                  <a:srgbClr val="000000"/>
-                </a:solidFill>
-                <a:effectLst/>
-                <a:latin typeface="Arial" pitchFamily="34" charset="0"/>
-                <a:ea typeface="+mn-ea"/>
-                <a:cs typeface="Arial" pitchFamily="34" charset="0"/>
-              </a:rPr>
-              <a:t>-k=20</a:t>
-            </a:r>
-          </a:p>
-          <a:p>
-            <a:r>
-              <a:rPr lang="en-US" sz="1000" b="1" kern="1200" dirty="0" err="1">
-                <a:solidFill>
-                  <a:srgbClr val="000000"/>
-                </a:solidFill>
-                <a:effectLst/>
-                <a:latin typeface="Arial" pitchFamily="34" charset="0"/>
-                <a:ea typeface="+mn-ea"/>
-                <a:cs typeface="Arial" pitchFamily="34" charset="0"/>
-              </a:rPr>
-              <a:t>spring.ai.google.genai.chat.options.top</a:t>
-            </a:r>
-            <a:r>
-              <a:rPr lang="en-US" sz="1000" b="1" kern="1200" dirty="0">
-                <a:solidFill>
-                  <a:srgbClr val="000000"/>
-                </a:solidFill>
-                <a:effectLst/>
-                <a:latin typeface="Arial" pitchFamily="34" charset="0"/>
-                <a:ea typeface="+mn-ea"/>
-                <a:cs typeface="Arial" pitchFamily="34" charset="0"/>
-              </a:rPr>
-              <a:t>-p=0.9</a:t>
-            </a:r>
-          </a:p>
-          <a:p>
-            <a:endParaRPr lang="pt-BR" dirty="0"/>
-          </a:p>
-        </p:txBody>
-      </p:sp>
-    </p:spTree>
-    <p:extLst>
-      <p:ext uri="{BB962C8B-B14F-4D97-AF65-F5344CB8AC3E}">
-        <p14:creationId xmlns:p14="http://schemas.microsoft.com/office/powerpoint/2010/main" val="3525508792"/>
-      </p:ext>
-    </p:extLst>
-  </p:cSld>
-  <p:clrMapOvr>
-    <a:masterClrMapping/>
-  </p:clrMapOvr>
-</p:notes>
-</file>
-
-<file path=ppt/notesSlides/notesSlide11.xml><?xml version="1.0" encoding="utf-8"?>
-<p:notes xmlns:a="http://schemas.openxmlformats.org/drawingml/2006/main" xmlns:r="http://schemas.openxmlformats.org/officeDocument/2006/relationships" xmlns:p="http://schemas.openxmlformats.org/presentationml/2006/main">
-  <p:cSld>
-    <p:spTree>
-      <p:nvGrpSpPr>
-        <p:cNvPr id="1" name=""/>
-        <p:cNvGrpSpPr/>
-        <p:nvPr/>
-      </p:nvGrpSpPr>
-      <p:grpSpPr>
-        <a:xfrm>
-          <a:off x="0" y="0"/>
-          <a:ext cx="0" cy="0"/>
-          <a:chOff x="0" y="0"/>
-          <a:chExt cx="0" cy="0"/>
-        </a:xfrm>
-      </p:grpSpPr>
-      <p:sp>
-        <p:nvSpPr>
-          <p:cNvPr id="2" name="Notes Placeholder 1">
-            <a:extLst>
-              <a:ext uri="{FF2B5EF4-FFF2-40B4-BE49-F238E27FC236}">
                 <a16:creationId xmlns:a16="http://schemas.microsoft.com/office/drawing/2014/main" id="{0C3F9CC1-636E-44BC-BEFF-ED4BE90EDBC8}"/>
               </a:ext>
             </a:extLst>
@@ -4318,7 +3741,7 @@
 </p:notes>
 </file>
 
-<file path=ppt/notesSlides/notesSlide12.xml><?xml version="1.0" encoding="utf-8"?>
+<file path=ppt/notesSlides/notesSlide11.xml><?xml version="1.0" encoding="utf-8"?>
 <p:notes xmlns:a="http://schemas.openxmlformats.org/drawingml/2006/main" xmlns:r="http://schemas.openxmlformats.org/officeDocument/2006/relationships" xmlns:p="http://schemas.openxmlformats.org/presentationml/2006/main">
   <p:cSld>
     <p:spTree>
@@ -4379,7 +3802,7 @@
 </p:notes>
 </file>
 
-<file path=ppt/notesSlides/notesSlide13.xml><?xml version="1.0" encoding="utf-8"?>
+<file path=ppt/notesSlides/notesSlide12.xml><?xml version="1.0" encoding="utf-8"?>
 <p:notes xmlns:a="http://schemas.openxmlformats.org/drawingml/2006/main" xmlns:r="http://schemas.openxmlformats.org/officeDocument/2006/relationships" xmlns:p="http://schemas.openxmlformats.org/presentationml/2006/main">
   <p:cSld>
     <p:spTree>
@@ -4440,7 +3863,7 @@
 </p:notes>
 </file>
 
-<file path=ppt/notesSlides/notesSlide14.xml><?xml version="1.0" encoding="utf-8"?>
+<file path=ppt/notesSlides/notesSlide13.xml><?xml version="1.0" encoding="utf-8"?>
 <p:notes xmlns:a="http://schemas.openxmlformats.org/drawingml/2006/main" xmlns:r="http://schemas.openxmlformats.org/officeDocument/2006/relationships" xmlns:p="http://schemas.openxmlformats.org/presentationml/2006/main">
   <p:cSld>
     <p:spTree>
@@ -4695,7 +4118,7 @@
 </p:notes>
 </file>
 
-<file path=ppt/notesSlides/notesSlide15.xml><?xml version="1.0" encoding="utf-8"?>
+<file path=ppt/notesSlides/notesSlide14.xml><?xml version="1.0" encoding="utf-8"?>
 <p:notes xmlns:a="http://schemas.openxmlformats.org/drawingml/2006/main" xmlns:r="http://schemas.openxmlformats.org/officeDocument/2006/relationships" xmlns:p="http://schemas.openxmlformats.org/presentationml/2006/main">
   <p:cSld>
     <p:spTree>
@@ -4939,7 +4362,7 @@
 </p:notes>
 </file>
 
-<file path=ppt/notesSlides/notesSlide16.xml><?xml version="1.0" encoding="utf-8"?>
+<file path=ppt/notesSlides/notesSlide15.xml><?xml version="1.0" encoding="utf-8"?>
 <p:notes xmlns:a="http://schemas.openxmlformats.org/drawingml/2006/main" xmlns:r="http://schemas.openxmlformats.org/officeDocument/2006/relationships" xmlns:p="http://schemas.openxmlformats.org/presentationml/2006/main">
   <p:cSld>
     <p:spTree>
@@ -5012,7 +4435,7 @@
 </p:notes>
 </file>
 
-<file path=ppt/notesSlides/notesSlide17.xml><?xml version="1.0" encoding="utf-8"?>
+<file path=ppt/notesSlides/notesSlide16.xml><?xml version="1.0" encoding="utf-8"?>
 <p:notes xmlns:a="http://schemas.openxmlformats.org/drawingml/2006/main" xmlns:r="http://schemas.openxmlformats.org/officeDocument/2006/relationships" xmlns:p="http://schemas.openxmlformats.org/presentationml/2006/main">
   <p:cSld>
     <p:spTree>
@@ -5112,7 +4535,7 @@
 </p:notes>
 </file>
 
-<file path=ppt/notesSlides/notesSlide18.xml><?xml version="1.0" encoding="utf-8"?>
+<file path=ppt/notesSlides/notesSlide17.xml><?xml version="1.0" encoding="utf-8"?>
 <p:notes xmlns:a="http://schemas.openxmlformats.org/drawingml/2006/main" xmlns:r="http://schemas.openxmlformats.org/officeDocument/2006/relationships" xmlns:p="http://schemas.openxmlformats.org/presentationml/2006/main">
   <p:cSld>
     <p:spTree>
@@ -8487,296 +7910,6 @@
         <p:cNvPr id="1" name="">
           <a:extLst>
             <a:ext uri="{FF2B5EF4-FFF2-40B4-BE49-F238E27FC236}">
-              <a16:creationId xmlns:a16="http://schemas.microsoft.com/office/drawing/2014/main" id="{2976CED4-FA72-1BD6-3A6F-470D412ECADA}"/>
-            </a:ext>
-          </a:extLst>
-        </p:cNvPr>
-        <p:cNvGrpSpPr/>
-        <p:nvPr/>
-      </p:nvGrpSpPr>
-      <p:grpSpPr>
-        <a:xfrm>
-          <a:off x="0" y="0"/>
-          <a:ext cx="0" cy="0"/>
-          <a:chOff x="0" y="0"/>
-          <a:chExt cx="0" cy="0"/>
-        </a:xfrm>
-      </p:grpSpPr>
-      <p:sp>
-        <p:nvSpPr>
-          <p:cNvPr id="136194" name="Rectangle 3">
-            <a:extLst>
-              <a:ext uri="{FF2B5EF4-FFF2-40B4-BE49-F238E27FC236}">
-                <a16:creationId xmlns:a16="http://schemas.microsoft.com/office/drawing/2014/main" id="{8135A4E4-94BA-6425-0775-E1A6736AADFC}"/>
-              </a:ext>
-            </a:extLst>
-          </p:cNvPr>
-          <p:cNvSpPr>
-            <a:spLocks noGrp="1" noChangeArrowheads="1"/>
-          </p:cNvSpPr>
-          <p:nvPr>
-            <p:ph type="body" idx="1"/>
-          </p:nvPr>
-        </p:nvSpPr>
-        <p:spPr>
-          <a:noFill/>
-          <a:ln w="9525"/>
-        </p:spPr>
-        <p:txBody>
-          <a:bodyPr/>
-          <a:lstStyle/>
-          <a:p>
-            <a:r>
-              <a:rPr lang="en-US" sz="1000" b="1" kern="1200" dirty="0">
-                <a:solidFill>
-                  <a:srgbClr val="000000"/>
-                </a:solidFill>
-                <a:effectLst/>
-                <a:latin typeface="Arial" pitchFamily="34" charset="0"/>
-                <a:ea typeface="+mn-ea"/>
-                <a:cs typeface="Arial" pitchFamily="34" charset="0"/>
-              </a:rPr>
-              <a:t>&lt;dependency&gt;</a:t>
-            </a:r>
-          </a:p>
-          <a:p>
-            <a:r>
-              <a:rPr lang="en-US" sz="1000" b="1" kern="1200" dirty="0">
-                <a:solidFill>
-                  <a:srgbClr val="000000"/>
-                </a:solidFill>
-                <a:effectLst/>
-                <a:latin typeface="Arial" pitchFamily="34" charset="0"/>
-                <a:ea typeface="+mn-ea"/>
-                <a:cs typeface="Arial" pitchFamily="34" charset="0"/>
-              </a:rPr>
-              <a:t>	&lt;</a:t>
-            </a:r>
-            <a:r>
-              <a:rPr lang="en-US" sz="1000" b="1" kern="1200" dirty="0" err="1">
-                <a:solidFill>
-                  <a:srgbClr val="000000"/>
-                </a:solidFill>
-                <a:effectLst/>
-                <a:latin typeface="Arial" pitchFamily="34" charset="0"/>
-                <a:ea typeface="+mn-ea"/>
-                <a:cs typeface="Arial" pitchFamily="34" charset="0"/>
-              </a:rPr>
-              <a:t>groupId</a:t>
-            </a:r>
-            <a:r>
-              <a:rPr lang="en-US" sz="1000" b="1" kern="1200" dirty="0">
-                <a:solidFill>
-                  <a:srgbClr val="000000"/>
-                </a:solidFill>
-                <a:effectLst/>
-                <a:latin typeface="Arial" pitchFamily="34" charset="0"/>
-                <a:ea typeface="+mn-ea"/>
-                <a:cs typeface="Arial" pitchFamily="34" charset="0"/>
-              </a:rPr>
-              <a:t>&gt;org.springframework.ai&lt;/</a:t>
-            </a:r>
-            <a:r>
-              <a:rPr lang="en-US" sz="1000" b="1" kern="1200" dirty="0" err="1">
-                <a:solidFill>
-                  <a:srgbClr val="000000"/>
-                </a:solidFill>
-                <a:effectLst/>
-                <a:latin typeface="Arial" pitchFamily="34" charset="0"/>
-                <a:ea typeface="+mn-ea"/>
-                <a:cs typeface="Arial" pitchFamily="34" charset="0"/>
-              </a:rPr>
-              <a:t>groupId</a:t>
-            </a:r>
-            <a:r>
-              <a:rPr lang="en-US" sz="1000" b="1" kern="1200" dirty="0">
-                <a:solidFill>
-                  <a:srgbClr val="000000"/>
-                </a:solidFill>
-                <a:effectLst/>
-                <a:latin typeface="Arial" pitchFamily="34" charset="0"/>
-                <a:ea typeface="+mn-ea"/>
-                <a:cs typeface="Arial" pitchFamily="34" charset="0"/>
-              </a:rPr>
-              <a:t>&gt;</a:t>
-            </a:r>
-          </a:p>
-          <a:p>
-            <a:r>
-              <a:rPr lang="en-US" sz="1000" b="1" kern="1200" dirty="0">
-                <a:solidFill>
-                  <a:srgbClr val="000000"/>
-                </a:solidFill>
-                <a:effectLst/>
-                <a:latin typeface="Arial" pitchFamily="34" charset="0"/>
-                <a:ea typeface="+mn-ea"/>
-                <a:cs typeface="Arial" pitchFamily="34" charset="0"/>
-              </a:rPr>
-              <a:t>	&lt;</a:t>
-            </a:r>
-            <a:r>
-              <a:rPr lang="en-US" sz="1000" b="1" kern="1200" dirty="0" err="1">
-                <a:solidFill>
-                  <a:srgbClr val="000000"/>
-                </a:solidFill>
-                <a:effectLst/>
-                <a:latin typeface="Arial" pitchFamily="34" charset="0"/>
-                <a:ea typeface="+mn-ea"/>
-                <a:cs typeface="Arial" pitchFamily="34" charset="0"/>
-              </a:rPr>
-              <a:t>artifactId</a:t>
-            </a:r>
-            <a:r>
-              <a:rPr lang="en-US" sz="1000" b="1" kern="1200" dirty="0">
-                <a:solidFill>
-                  <a:srgbClr val="000000"/>
-                </a:solidFill>
-                <a:effectLst/>
-                <a:latin typeface="Arial" pitchFamily="34" charset="0"/>
-                <a:ea typeface="+mn-ea"/>
-                <a:cs typeface="Arial" pitchFamily="34" charset="0"/>
-              </a:rPr>
-              <a:t>&gt;spring-ai-starter-model-google-</a:t>
-            </a:r>
-            <a:r>
-              <a:rPr lang="en-US" sz="1000" b="1" kern="1200" dirty="0" err="1">
-                <a:solidFill>
-                  <a:srgbClr val="000000"/>
-                </a:solidFill>
-                <a:effectLst/>
-                <a:latin typeface="Arial" pitchFamily="34" charset="0"/>
-                <a:ea typeface="+mn-ea"/>
-                <a:cs typeface="Arial" pitchFamily="34" charset="0"/>
-              </a:rPr>
-              <a:t>genai</a:t>
-            </a:r>
-            <a:r>
-              <a:rPr lang="en-US" sz="1000" b="1" kern="1200" dirty="0">
-                <a:solidFill>
-                  <a:srgbClr val="000000"/>
-                </a:solidFill>
-                <a:effectLst/>
-                <a:latin typeface="Arial" pitchFamily="34" charset="0"/>
-                <a:ea typeface="+mn-ea"/>
-                <a:cs typeface="Arial" pitchFamily="34" charset="0"/>
-              </a:rPr>
-              <a:t>&lt;/</a:t>
-            </a:r>
-            <a:r>
-              <a:rPr lang="en-US" sz="1000" b="1" kern="1200" dirty="0" err="1">
-                <a:solidFill>
-                  <a:srgbClr val="000000"/>
-                </a:solidFill>
-                <a:effectLst/>
-                <a:latin typeface="Arial" pitchFamily="34" charset="0"/>
-                <a:ea typeface="+mn-ea"/>
-                <a:cs typeface="Arial" pitchFamily="34" charset="0"/>
-              </a:rPr>
-              <a:t>artifactId</a:t>
-            </a:r>
-            <a:r>
-              <a:rPr lang="en-US" sz="1000" b="1" kern="1200" dirty="0">
-                <a:solidFill>
-                  <a:srgbClr val="000000"/>
-                </a:solidFill>
-                <a:effectLst/>
-                <a:latin typeface="Arial" pitchFamily="34" charset="0"/>
-                <a:ea typeface="+mn-ea"/>
-                <a:cs typeface="Arial" pitchFamily="34" charset="0"/>
-              </a:rPr>
-              <a:t>&gt;</a:t>
-            </a:r>
-          </a:p>
-          <a:p>
-            <a:r>
-              <a:rPr lang="en-US" sz="1000" b="1" u="sng" kern="1200" dirty="0">
-                <a:solidFill>
-                  <a:srgbClr val="000000"/>
-                </a:solidFill>
-                <a:effectLst/>
-                <a:latin typeface="Arial" pitchFamily="34" charset="0"/>
-                <a:ea typeface="+mn-ea"/>
-                <a:cs typeface="Arial" pitchFamily="34" charset="0"/>
-              </a:rPr>
-              <a:t>	&lt;version&gt;1.1.0-M3&lt;/version&gt;</a:t>
-            </a:r>
-            <a:endParaRPr lang="en-US" sz="1000" b="1" kern="1200" dirty="0">
-              <a:solidFill>
-                <a:srgbClr val="000000"/>
-              </a:solidFill>
-              <a:effectLst/>
-              <a:latin typeface="Arial" pitchFamily="34" charset="0"/>
-              <a:ea typeface="+mn-ea"/>
-              <a:cs typeface="Arial" pitchFamily="34" charset="0"/>
-            </a:endParaRPr>
-          </a:p>
-          <a:p>
-            <a:r>
-              <a:rPr lang="en-US" sz="1000" b="1" kern="1200" dirty="0">
-                <a:solidFill>
-                  <a:srgbClr val="000000"/>
-                </a:solidFill>
-                <a:effectLst/>
-                <a:latin typeface="Arial" pitchFamily="34" charset="0"/>
-                <a:ea typeface="+mn-ea"/>
-                <a:cs typeface="Arial" pitchFamily="34" charset="0"/>
-              </a:rPr>
-              <a:t>&lt;/dependency&gt;</a:t>
-            </a:r>
-          </a:p>
-          <a:p>
-            <a:endParaRPr lang="en-US" dirty="0">
-              <a:latin typeface="Arial" charset="0"/>
-              <a:cs typeface="Arial" charset="0"/>
-            </a:endParaRPr>
-          </a:p>
-        </p:txBody>
-      </p:sp>
-      <p:sp>
-        <p:nvSpPr>
-          <p:cNvPr id="136195" name="Slide Image Placeholder 4">
-            <a:extLst>
-              <a:ext uri="{FF2B5EF4-FFF2-40B4-BE49-F238E27FC236}">
-                <a16:creationId xmlns:a16="http://schemas.microsoft.com/office/drawing/2014/main" id="{2986A79C-89DE-B451-1286-21F227918B37}"/>
-              </a:ext>
-            </a:extLst>
-          </p:cNvPr>
-          <p:cNvSpPr>
-            <a:spLocks noGrp="1" noRot="1" noChangeAspect="1" noTextEdit="1"/>
-          </p:cNvSpPr>
-          <p:nvPr>
-            <p:ph type="sldImg"/>
-          </p:nvPr>
-        </p:nvSpPr>
-        <p:spPr>
-          <a:xfrm>
-            <a:off x="1316038" y="503238"/>
-            <a:ext cx="4662487" cy="3497262"/>
-          </a:xfrm>
-          <a:ln/>
-        </p:spPr>
-      </p:sp>
-    </p:spTree>
-    <p:extLst>
-      <p:ext uri="{BB962C8B-B14F-4D97-AF65-F5344CB8AC3E}">
-        <p14:creationId xmlns:p14="http://schemas.microsoft.com/office/powerpoint/2010/main" val="370024762"/>
-      </p:ext>
-    </p:extLst>
-  </p:cSld>
-  <p:clrMapOvr>
-    <a:masterClrMapping/>
-  </p:clrMapOvr>
-</p:notes>
-</file>
-
-<file path=ppt/notesSlides/notesSlide7.xml><?xml version="1.0" encoding="utf-8"?>
-<p:notes xmlns:a="http://schemas.openxmlformats.org/drawingml/2006/main" xmlns:r="http://schemas.openxmlformats.org/officeDocument/2006/relationships" xmlns:p="http://schemas.openxmlformats.org/presentationml/2006/main">
-  <p:cSld>
-    <p:spTree>
-      <p:nvGrpSpPr>
-        <p:cNvPr id="1" name="">
-          <a:extLst>
-            <a:ext uri="{FF2B5EF4-FFF2-40B4-BE49-F238E27FC236}">
               <a16:creationId xmlns:a16="http://schemas.microsoft.com/office/drawing/2014/main" id="{73876E4B-83A9-0735-577A-0830AD872531}"/>
             </a:ext>
           </a:extLst>
@@ -9059,7 +8192,7 @@
 </p:notes>
 </file>
 
-<file path=ppt/notesSlides/notesSlide8.xml><?xml version="1.0" encoding="utf-8"?>
+<file path=ppt/notesSlides/notesSlide7.xml><?xml version="1.0" encoding="utf-8"?>
 <p:notes xmlns:a="http://schemas.openxmlformats.org/drawingml/2006/main" xmlns:r="http://schemas.openxmlformats.org/officeDocument/2006/relationships" xmlns:p="http://schemas.openxmlformats.org/presentationml/2006/main">
   <p:cSld>
     <p:spTree>
@@ -10535,7 +9668,7 @@
 </p:notes>
 </file>
 
-<file path=ppt/notesSlides/notesSlide9.xml><?xml version="1.0" encoding="utf-8"?>
+<file path=ppt/notesSlides/notesSlide8.xml><?xml version="1.0" encoding="utf-8"?>
 <p:notes xmlns:a="http://schemas.openxmlformats.org/drawingml/2006/main" xmlns:r="http://schemas.openxmlformats.org/officeDocument/2006/relationships" xmlns:p="http://schemas.openxmlformats.org/presentationml/2006/main">
   <p:cSld>
     <p:spTree>
@@ -10581,6 +9714,270 @@
     <p:extLst>
       <p:ext uri="{BB962C8B-B14F-4D97-AF65-F5344CB8AC3E}">
         <p14:creationId xmlns:p14="http://schemas.microsoft.com/office/powerpoint/2010/main" val="1718930441"/>
+      </p:ext>
+    </p:extLst>
+  </p:cSld>
+  <p:clrMapOvr>
+    <a:masterClrMapping/>
+  </p:clrMapOvr>
+</p:notes>
+</file>
+
+<file path=ppt/notesSlides/notesSlide9.xml><?xml version="1.0" encoding="utf-8"?>
+<p:notes xmlns:a="http://schemas.openxmlformats.org/drawingml/2006/main" xmlns:r="http://schemas.openxmlformats.org/officeDocument/2006/relationships" xmlns:p="http://schemas.openxmlformats.org/presentationml/2006/main">
+  <p:cSld>
+    <p:spTree>
+      <p:nvGrpSpPr>
+        <p:cNvPr id="1" name=""/>
+        <p:cNvGrpSpPr/>
+        <p:nvPr/>
+      </p:nvGrpSpPr>
+      <p:grpSpPr>
+        <a:xfrm>
+          <a:off x="0" y="0"/>
+          <a:ext cx="0" cy="0"/>
+          <a:chOff x="0" y="0"/>
+          <a:chExt cx="0" cy="0"/>
+        </a:xfrm>
+      </p:grpSpPr>
+      <p:sp>
+        <p:nvSpPr>
+          <p:cNvPr id="2" name="Notes Placeholder 1">
+            <a:extLst>
+              <a:ext uri="{FF2B5EF4-FFF2-40B4-BE49-F238E27FC236}">
+                <a16:creationId xmlns:a16="http://schemas.microsoft.com/office/drawing/2014/main" id="{6122B7DF-BEB3-40E2-B821-F4AFEBF11E6F}"/>
+              </a:ext>
+            </a:extLst>
+          </p:cNvPr>
+          <p:cNvSpPr>
+            <a:spLocks noGrp="1"/>
+          </p:cNvSpPr>
+          <p:nvPr>
+            <p:ph type="body" idx="1"/>
+          </p:nvPr>
+        </p:nvSpPr>
+        <p:spPr/>
+        <p:txBody>
+          <a:bodyPr/>
+          <a:lstStyle/>
+          <a:p>
+            <a:r>
+              <a:rPr lang="en-US" sz="1000" b="1" kern="1200" dirty="0">
+                <a:solidFill>
+                  <a:srgbClr val="000000"/>
+                </a:solidFill>
+                <a:effectLst/>
+                <a:latin typeface="Arial" pitchFamily="34" charset="0"/>
+                <a:ea typeface="+mn-ea"/>
+                <a:cs typeface="Arial" pitchFamily="34" charset="0"/>
+              </a:rPr>
+              <a:t>spring.application.name=</a:t>
+            </a:r>
+            <a:r>
+              <a:rPr lang="en-US" sz="1000" b="1" kern="1200" dirty="0" err="1">
+                <a:solidFill>
+                  <a:srgbClr val="000000"/>
+                </a:solidFill>
+                <a:effectLst/>
+                <a:latin typeface="Arial" pitchFamily="34" charset="0"/>
+                <a:ea typeface="+mn-ea"/>
+                <a:cs typeface="Arial" pitchFamily="34" charset="0"/>
+              </a:rPr>
+              <a:t>genaisdk</a:t>
+            </a:r>
+            <a:endParaRPr lang="en-US" sz="1000" b="1" kern="1200" dirty="0">
+              <a:solidFill>
+                <a:srgbClr val="000000"/>
+              </a:solidFill>
+              <a:effectLst/>
+              <a:latin typeface="Arial" pitchFamily="34" charset="0"/>
+              <a:ea typeface="+mn-ea"/>
+              <a:cs typeface="Arial" pitchFamily="34" charset="0"/>
+            </a:endParaRPr>
+          </a:p>
+          <a:p>
+            <a:br>
+              <a:rPr lang="en-US" sz="1000" b="1" kern="1200" dirty="0">
+                <a:solidFill>
+                  <a:srgbClr val="000000"/>
+                </a:solidFill>
+                <a:effectLst/>
+                <a:latin typeface="Arial" pitchFamily="34" charset="0"/>
+                <a:ea typeface="+mn-ea"/>
+                <a:cs typeface="Arial" pitchFamily="34" charset="0"/>
+              </a:rPr>
+            </a:br>
+            <a:endParaRPr lang="en-US" sz="1000" b="1" kern="1200" dirty="0">
+              <a:solidFill>
+                <a:srgbClr val="000000"/>
+              </a:solidFill>
+              <a:effectLst/>
+              <a:latin typeface="Arial" pitchFamily="34" charset="0"/>
+              <a:ea typeface="+mn-ea"/>
+              <a:cs typeface="Arial" pitchFamily="34" charset="0"/>
+            </a:endParaRPr>
+          </a:p>
+          <a:p>
+            <a:r>
+              <a:rPr lang="en-US" sz="1000" b="1" kern="1200" dirty="0" err="1">
+                <a:solidFill>
+                  <a:srgbClr val="000000"/>
+                </a:solidFill>
+                <a:effectLst/>
+                <a:latin typeface="Arial" pitchFamily="34" charset="0"/>
+                <a:ea typeface="+mn-ea"/>
+                <a:cs typeface="Arial" pitchFamily="34" charset="0"/>
+              </a:rPr>
+              <a:t>spring.ai.google.genai.api</a:t>
+            </a:r>
+            <a:r>
+              <a:rPr lang="en-US" sz="1000" b="1" kern="1200" dirty="0">
+                <a:solidFill>
+                  <a:srgbClr val="000000"/>
+                </a:solidFill>
+                <a:effectLst/>
+                <a:latin typeface="Arial" pitchFamily="34" charset="0"/>
+                <a:ea typeface="+mn-ea"/>
+                <a:cs typeface="Arial" pitchFamily="34" charset="0"/>
+              </a:rPr>
+              <a:t>-key=${GEMINI_API_KEY}</a:t>
+            </a:r>
+          </a:p>
+          <a:p>
+            <a:br>
+              <a:rPr lang="en-US" sz="1000" b="1" kern="1200" dirty="0">
+                <a:solidFill>
+                  <a:srgbClr val="000000"/>
+                </a:solidFill>
+                <a:effectLst/>
+                <a:latin typeface="Arial" pitchFamily="34" charset="0"/>
+                <a:ea typeface="+mn-ea"/>
+                <a:cs typeface="Arial" pitchFamily="34" charset="0"/>
+              </a:rPr>
+            </a:br>
+            <a:endParaRPr lang="en-US" sz="1000" b="1" kern="1200" dirty="0">
+              <a:solidFill>
+                <a:srgbClr val="000000"/>
+              </a:solidFill>
+              <a:effectLst/>
+              <a:latin typeface="Arial" pitchFamily="34" charset="0"/>
+              <a:ea typeface="+mn-ea"/>
+              <a:cs typeface="Arial" pitchFamily="34" charset="0"/>
+            </a:endParaRPr>
+          </a:p>
+          <a:p>
+            <a:r>
+              <a:rPr lang="en-US" sz="1000" b="1" kern="1200" dirty="0" err="1">
+                <a:solidFill>
+                  <a:srgbClr val="000000"/>
+                </a:solidFill>
+                <a:effectLst/>
+                <a:latin typeface="Arial" pitchFamily="34" charset="0"/>
+                <a:ea typeface="+mn-ea"/>
+                <a:cs typeface="Arial" pitchFamily="34" charset="0"/>
+              </a:rPr>
+              <a:t>spring.ai.google.genai.chat.options.model</a:t>
+            </a:r>
+            <a:r>
+              <a:rPr lang="en-US" sz="1000" b="1" kern="1200" dirty="0">
+                <a:solidFill>
+                  <a:srgbClr val="000000"/>
+                </a:solidFill>
+                <a:effectLst/>
+                <a:latin typeface="Arial" pitchFamily="34" charset="0"/>
+                <a:ea typeface="+mn-ea"/>
+                <a:cs typeface="Arial" pitchFamily="34" charset="0"/>
+              </a:rPr>
+              <a:t>=gemini-2.5-pro</a:t>
+            </a:r>
+          </a:p>
+          <a:p>
+            <a:r>
+              <a:rPr lang="en-US" sz="1000" b="1" kern="1200" dirty="0" err="1">
+                <a:solidFill>
+                  <a:srgbClr val="000000"/>
+                </a:solidFill>
+                <a:effectLst/>
+                <a:latin typeface="Arial" pitchFamily="34" charset="0"/>
+                <a:ea typeface="+mn-ea"/>
+                <a:cs typeface="Arial" pitchFamily="34" charset="0"/>
+              </a:rPr>
+              <a:t>spring.ai.google.genai.chat.options.temperature</a:t>
+            </a:r>
+            <a:r>
+              <a:rPr lang="en-US" sz="1000" b="1" kern="1200" dirty="0">
+                <a:solidFill>
+                  <a:srgbClr val="000000"/>
+                </a:solidFill>
+                <a:effectLst/>
+                <a:latin typeface="Arial" pitchFamily="34" charset="0"/>
+                <a:ea typeface="+mn-ea"/>
+                <a:cs typeface="Arial" pitchFamily="34" charset="0"/>
+              </a:rPr>
+              <a:t>=0.5</a:t>
+            </a:r>
+          </a:p>
+          <a:p>
+            <a:r>
+              <a:rPr lang="en-US" sz="1000" b="1" kern="1200" dirty="0" err="1">
+                <a:solidFill>
+                  <a:srgbClr val="000000"/>
+                </a:solidFill>
+                <a:effectLst/>
+                <a:latin typeface="Arial" pitchFamily="34" charset="0"/>
+                <a:ea typeface="+mn-ea"/>
+                <a:cs typeface="Arial" pitchFamily="34" charset="0"/>
+              </a:rPr>
+              <a:t>spring.ai.google.genai.chat.options.top</a:t>
+            </a:r>
+            <a:r>
+              <a:rPr lang="en-US" sz="1000" b="1" kern="1200" dirty="0">
+                <a:solidFill>
+                  <a:srgbClr val="000000"/>
+                </a:solidFill>
+                <a:effectLst/>
+                <a:latin typeface="Arial" pitchFamily="34" charset="0"/>
+                <a:ea typeface="+mn-ea"/>
+                <a:cs typeface="Arial" pitchFamily="34" charset="0"/>
+              </a:rPr>
+              <a:t>-k=20</a:t>
+            </a:r>
+          </a:p>
+          <a:p>
+            <a:r>
+              <a:rPr lang="en-US" sz="1000" b="1" kern="1200" dirty="0" err="1">
+                <a:solidFill>
+                  <a:srgbClr val="000000"/>
+                </a:solidFill>
+                <a:effectLst/>
+                <a:latin typeface="Arial" pitchFamily="34" charset="0"/>
+                <a:ea typeface="+mn-ea"/>
+                <a:cs typeface="Arial" pitchFamily="34" charset="0"/>
+              </a:rPr>
+              <a:t>spring.ai.google.genai.chat.options.top</a:t>
+            </a:r>
+            <a:r>
+              <a:rPr lang="en-US" sz="1000" b="1" kern="1200" dirty="0">
+                <a:solidFill>
+                  <a:srgbClr val="000000"/>
+                </a:solidFill>
+                <a:effectLst/>
+                <a:latin typeface="Arial" pitchFamily="34" charset="0"/>
+                <a:ea typeface="+mn-ea"/>
+                <a:cs typeface="Arial" pitchFamily="34" charset="0"/>
+              </a:rPr>
+              <a:t>-p=0.9</a:t>
+            </a:r>
+          </a:p>
+          <a:p>
+            <a:endParaRPr lang="pt-BR" dirty="0"/>
+          </a:p>
+        </p:txBody>
+      </p:sp>
+    </p:spTree>
+    <p:extLst>
+      <p:ext uri="{BB962C8B-B14F-4D97-AF65-F5344CB8AC3E}">
+        <p14:creationId xmlns:p14="http://schemas.microsoft.com/office/powerpoint/2010/main" val="3525508792"/>
       </p:ext>
     </p:extLst>
   </p:cSld>
@@ -10973,7 +10370,7 @@
               <a:pPr>
                 <a:defRPr/>
               </a:pPr>
-              <a:t>‹#›</a:t>
+              <a:t>‹nº›</a:t>
             </a:fld>
             <a:endParaRPr lang="en-US"/>
           </a:p>
@@ -11061,7 +10458,7 @@
               <a:pPr>
                 <a:defRPr/>
               </a:pPr>
-              <a:t>‹#›</a:t>
+              <a:t>‹nº›</a:t>
             </a:fld>
             <a:endParaRPr lang="en-US"/>
           </a:p>
@@ -11127,7 +10524,7 @@
               <a:pPr>
                 <a:defRPr/>
               </a:pPr>
-              <a:t>‹#›</a:t>
+              <a:t>‹nº›</a:t>
             </a:fld>
             <a:endParaRPr lang="en-US"/>
           </a:p>
@@ -49985,7 +49382,7 @@
               <a:pPr>
                 <a:defRPr/>
               </a:pPr>
-              <a:t>‹#›</a:t>
+              <a:t>‹nº›</a:t>
             </a:fld>
             <a:endParaRPr lang="en-US"/>
           </a:p>
@@ -51017,7 +50414,7 @@
               <a:pPr algn="r">
                 <a:defRPr/>
               </a:pPr>
-              <a:t>‹#›</a:t>
+              <a:t>‹nº›</a:t>
             </a:fld>
             <a:endParaRPr lang="en-US" sz="900">
               <a:solidFill>
@@ -51683,31 +51080,21 @@
         </p:nvSpPr>
         <p:spPr>
           <a:xfrm>
-            <a:off x="0" y="1050181"/>
-            <a:ext cx="8458200" cy="789425"/>
+            <a:off x="228600" y="1371600"/>
+            <a:ext cx="8458200" cy="713225"/>
           </a:xfrm>
         </p:spPr>
         <p:txBody>
           <a:bodyPr/>
           <a:lstStyle/>
           <a:p>
-            <a:pPr marL="266700" indent="-266700">
+            <a:pPr marL="0" indent="0">
               <a:buNone/>
             </a:pPr>
             <a:r>
-              <a:rPr lang="en-US" dirty="0"/>
-              <a:t>	</a:t>
-            </a:r>
-            <a:r>
-              <a:rPr lang="en-US" sz="3600" b="1" dirty="0"/>
-              <a:t>Application Properties</a:t>
-            </a:r>
-          </a:p>
-          <a:p>
-            <a:pPr marL="266700" indent="-266700">
-              <a:buNone/>
-            </a:pPr>
-            <a:endParaRPr lang="en-US" sz="3600" b="1" dirty="0"/>
+              <a:rPr lang="pt-BR" sz="3200" b="1" dirty="0"/>
+              <a:t>Obtendo a API Key</a:t>
+            </a:r>
           </a:p>
         </p:txBody>
       </p:sp>
@@ -51804,245 +51191,6 @@
           </a:p>
         </p:txBody>
       </p:sp>
-      <p:pic>
-        <p:nvPicPr>
-          <p:cNvPr id="7" name="Picture 6">
-            <a:extLst>
-              <a:ext uri="{FF2B5EF4-FFF2-40B4-BE49-F238E27FC236}">
-                <a16:creationId xmlns:a16="http://schemas.microsoft.com/office/drawing/2014/main" id="{BC2F675A-223C-408D-9554-12FBDA8397D8}"/>
-              </a:ext>
-            </a:extLst>
-          </p:cNvPr>
-          <p:cNvPicPr>
-            <a:picLocks noChangeAspect="1"/>
-          </p:cNvPicPr>
-          <p:nvPr/>
-        </p:nvPicPr>
-        <p:blipFill>
-          <a:blip r:embed="rId3"/>
-          <a:stretch>
-            <a:fillRect/>
-          </a:stretch>
-        </p:blipFill>
-        <p:spPr>
-          <a:xfrm>
-            <a:off x="264617" y="1727108"/>
-            <a:ext cx="4645025" cy="1439574"/>
-          </a:xfrm>
-          <a:prstGeom prst="rect">
-            <a:avLst/>
-          </a:prstGeom>
-        </p:spPr>
-      </p:pic>
-      <p:pic>
-        <p:nvPicPr>
-          <p:cNvPr id="4" name="Picture 3">
-            <a:extLst>
-              <a:ext uri="{FF2B5EF4-FFF2-40B4-BE49-F238E27FC236}">
-                <a16:creationId xmlns:a16="http://schemas.microsoft.com/office/drawing/2014/main" id="{904CD067-61F6-2373-7765-AC8CE9C50AE3}"/>
-              </a:ext>
-            </a:extLst>
-          </p:cNvPr>
-          <p:cNvPicPr>
-            <a:picLocks noChangeAspect="1"/>
-          </p:cNvPicPr>
-          <p:nvPr/>
-        </p:nvPicPr>
-        <p:blipFill>
-          <a:blip r:embed="rId4"/>
-          <a:stretch>
-            <a:fillRect/>
-          </a:stretch>
-        </p:blipFill>
-        <p:spPr>
-          <a:xfrm>
-            <a:off x="1970685" y="3166682"/>
-            <a:ext cx="7097115" cy="2934109"/>
-          </a:xfrm>
-          <a:prstGeom prst="rect">
-            <a:avLst/>
-          </a:prstGeom>
-        </p:spPr>
-      </p:pic>
-    </p:spTree>
-    <p:extLst>
-      <p:ext uri="{BB962C8B-B14F-4D97-AF65-F5344CB8AC3E}">
-        <p14:creationId xmlns:p14="http://schemas.microsoft.com/office/powerpoint/2010/main" val="1312899334"/>
-      </p:ext>
-    </p:extLst>
-  </p:cSld>
-  <p:clrMapOvr>
-    <a:masterClrMapping/>
-  </p:clrMapOvr>
-</p:sld>
-</file>
-
-<file path=ppt/slides/slide11.xml><?xml version="1.0" encoding="utf-8"?>
-<p:sld xmlns:a="http://schemas.openxmlformats.org/drawingml/2006/main" xmlns:r="http://schemas.openxmlformats.org/officeDocument/2006/relationships" xmlns:p="http://schemas.openxmlformats.org/presentationml/2006/main">
-  <p:cSld>
-    <p:spTree>
-      <p:nvGrpSpPr>
-        <p:cNvPr id="1" name=""/>
-        <p:cNvGrpSpPr/>
-        <p:nvPr/>
-      </p:nvGrpSpPr>
-      <p:grpSpPr>
-        <a:xfrm>
-          <a:off x="0" y="0"/>
-          <a:ext cx="0" cy="0"/>
-          <a:chOff x="0" y="0"/>
-          <a:chExt cx="0" cy="0"/>
-        </a:xfrm>
-      </p:grpSpPr>
-      <p:sp>
-        <p:nvSpPr>
-          <p:cNvPr id="60419" name="Rectangle 2"/>
-          <p:cNvSpPr>
-            <a:spLocks noGrp="1" noChangeArrowheads="1"/>
-          </p:cNvSpPr>
-          <p:nvPr>
-            <p:ph type="title"/>
-          </p:nvPr>
-        </p:nvSpPr>
-        <p:spPr/>
-        <p:txBody>
-          <a:bodyPr/>
-          <a:lstStyle/>
-          <a:p>
-            <a:r>
-              <a:rPr lang="en-US" dirty="0" err="1"/>
-              <a:t>Projeto</a:t>
-            </a:r>
-            <a:r>
-              <a:rPr lang="en-US" dirty="0"/>
-              <a:t> GenAi</a:t>
-            </a:r>
-          </a:p>
-        </p:txBody>
-      </p:sp>
-      <p:sp>
-        <p:nvSpPr>
-          <p:cNvPr id="6" name="Content Placeholder 5"/>
-          <p:cNvSpPr>
-            <a:spLocks noGrp="1"/>
-          </p:cNvSpPr>
-          <p:nvPr>
-            <p:ph idx="1"/>
-          </p:nvPr>
-        </p:nvSpPr>
-        <p:spPr>
-          <a:xfrm>
-            <a:off x="228600" y="1371600"/>
-            <a:ext cx="8458200" cy="713225"/>
-          </a:xfrm>
-        </p:spPr>
-        <p:txBody>
-          <a:bodyPr/>
-          <a:lstStyle/>
-          <a:p>
-            <a:pPr marL="0" indent="0">
-              <a:buNone/>
-            </a:pPr>
-            <a:r>
-              <a:rPr lang="pt-BR" sz="3200" b="1" dirty="0"/>
-              <a:t>Obtendo a API Key</a:t>
-            </a:r>
-          </a:p>
-        </p:txBody>
-      </p:sp>
-      <p:sp>
-        <p:nvSpPr>
-          <p:cNvPr id="60418" name="Rectangle 4"/>
-          <p:cNvSpPr>
-            <a:spLocks noGrp="1" noChangeArrowheads="1"/>
-          </p:cNvSpPr>
-          <p:nvPr>
-            <p:ph type="sldNum" sz="quarter" idx="10"/>
-          </p:nvPr>
-        </p:nvSpPr>
-        <p:spPr>
-          <a:noFill/>
-        </p:spPr>
-        <p:txBody>
-          <a:bodyPr/>
-          <a:lstStyle/>
-          <a:p>
-            <a:endParaRPr lang="en-US"/>
-          </a:p>
-          <a:p>
-            <a:fld id="{A9B67950-A392-4C94-8F14-AAC6D6C33930}" type="slidenum">
-              <a:rPr lang="en-US" smtClean="0"/>
-              <a:pPr/>
-              <a:t>11</a:t>
-            </a:fld>
-            <a:endParaRPr lang="en-US"/>
-          </a:p>
-        </p:txBody>
-      </p:sp>
-      <p:sp>
-        <p:nvSpPr>
-          <p:cNvPr id="60420" name="Rectangle 4"/>
-          <p:cNvSpPr>
-            <a:spLocks noChangeArrowheads="1"/>
-          </p:cNvSpPr>
-          <p:nvPr/>
-        </p:nvSpPr>
-        <p:spPr bwMode="auto">
-          <a:xfrm>
-            <a:off x="161925" y="1295400"/>
-            <a:ext cx="8750300" cy="789425"/>
-          </a:xfrm>
-          <a:prstGeom prst="rect">
-            <a:avLst/>
-          </a:prstGeom>
-          <a:noFill/>
-          <a:ln w="9525">
-            <a:noFill/>
-            <a:miter lim="800000"/>
-            <a:headEnd/>
-            <a:tailEnd/>
-          </a:ln>
-        </p:spPr>
-        <p:txBody>
-          <a:bodyPr/>
-          <a:lstStyle/>
-          <a:p>
-            <a:pPr marL="266700" indent="-266700" defTabSz="914400" eaLnBrk="0" hangingPunct="0">
-              <a:spcBef>
-                <a:spcPct val="20000"/>
-              </a:spcBef>
-              <a:buClr>
-                <a:srgbClr val="000000"/>
-              </a:buClr>
-            </a:pPr>
-            <a:r>
-              <a:rPr lang="en-US" dirty="0">
-                <a:solidFill>
-                  <a:srgbClr val="000000"/>
-                </a:solidFill>
-              </a:rPr>
-              <a:t>	</a:t>
-            </a:r>
-          </a:p>
-          <a:p>
-            <a:pPr marL="266700" indent="-266700" defTabSz="914400" eaLnBrk="0" hangingPunct="0">
-              <a:spcBef>
-                <a:spcPct val="20000"/>
-              </a:spcBef>
-              <a:buClr>
-                <a:srgbClr val="000000"/>
-              </a:buClr>
-              <a:buFontTx/>
-              <a:buAutoNum type="arabicPeriod"/>
-            </a:pPr>
-            <a:endParaRPr lang="en-US" dirty="0">
-              <a:solidFill>
-                <a:srgbClr val="000000"/>
-              </a:solidFill>
-            </a:endParaRPr>
-          </a:p>
-        </p:txBody>
-      </p:sp>
       <p:sp>
         <p:nvSpPr>
           <p:cNvPr id="3" name="TextBox 2">
@@ -52125,7 +51273,7 @@
 </p:sld>
 </file>
 
-<file path=ppt/slides/slide12.xml><?xml version="1.0" encoding="utf-8"?>
+<file path=ppt/slides/slide11.xml><?xml version="1.0" encoding="utf-8"?>
 <p:sld xmlns:a="http://schemas.openxmlformats.org/drawingml/2006/main" xmlns:r="http://schemas.openxmlformats.org/officeDocument/2006/relationships" xmlns:p="http://schemas.openxmlformats.org/presentationml/2006/main">
   <p:cSld>
     <p:spTree>
@@ -52245,7 +51393,7 @@
             <a:fld id="{A9B67950-A392-4C94-8F14-AAC6D6C33930}" type="slidenum">
               <a:rPr lang="en-US" smtClean="0"/>
               <a:pPr/>
-              <a:t>12</a:t>
+              <a:t>11</a:t>
             </a:fld>
             <a:endParaRPr lang="en-US"/>
           </a:p>
@@ -52364,7 +51512,7 @@
 </p:sld>
 </file>
 
-<file path=ppt/slides/slide13.xml><?xml version="1.0" encoding="utf-8"?>
+<file path=ppt/slides/slide12.xml><?xml version="1.0" encoding="utf-8"?>
 <p:sld xmlns:a="http://schemas.openxmlformats.org/drawingml/2006/main" xmlns:r="http://schemas.openxmlformats.org/officeDocument/2006/relationships" xmlns:p="http://schemas.openxmlformats.org/presentationml/2006/main">
   <p:cSld>
     <p:spTree>
@@ -52484,7 +51632,7 @@
             <a:fld id="{A9B67950-A392-4C94-8F14-AAC6D6C33930}" type="slidenum">
               <a:rPr lang="en-US" smtClean="0"/>
               <a:pPr/>
-              <a:t>13</a:t>
+              <a:t>12</a:t>
             </a:fld>
             <a:endParaRPr lang="en-US"/>
           </a:p>
@@ -52603,7 +51751,7 @@
 </p:sld>
 </file>
 
-<file path=ppt/slides/slide14.xml><?xml version="1.0" encoding="utf-8"?>
+<file path=ppt/slides/slide13.xml><?xml version="1.0" encoding="utf-8"?>
 <p:sld xmlns:a="http://schemas.openxmlformats.org/drawingml/2006/main" xmlns:r="http://schemas.openxmlformats.org/officeDocument/2006/relationships" xmlns:p="http://schemas.openxmlformats.org/presentationml/2006/main">
   <p:cSld>
     <p:spTree>
@@ -52753,7 +51901,7 @@
             <a:fld id="{A9B67950-A392-4C94-8F14-AAC6D6C33930}" type="slidenum">
               <a:rPr lang="en-US" smtClean="0"/>
               <a:pPr/>
-              <a:t>14</a:t>
+              <a:t>13</a:t>
             </a:fld>
             <a:endParaRPr lang="en-US"/>
           </a:p>
@@ -52872,7 +52020,7 @@
 </p:sld>
 </file>
 
-<file path=ppt/slides/slide15.xml><?xml version="1.0" encoding="utf-8"?>
+<file path=ppt/slides/slide14.xml><?xml version="1.0" encoding="utf-8"?>
 <p:sld xmlns:a="http://schemas.openxmlformats.org/drawingml/2006/main" xmlns:r="http://schemas.openxmlformats.org/officeDocument/2006/relationships" xmlns:p="http://schemas.openxmlformats.org/presentationml/2006/main">
   <p:cSld>
     <p:spTree>
@@ -52997,7 +52145,7 @@
             <a:fld id="{A9B67950-A392-4C94-8F14-AAC6D6C33930}" type="slidenum">
               <a:rPr lang="en-US" smtClean="0"/>
               <a:pPr/>
-              <a:t>15</a:t>
+              <a:t>14</a:t>
             </a:fld>
             <a:endParaRPr lang="en-US"/>
           </a:p>
@@ -53110,7 +52258,7 @@
 </p:sld>
 </file>
 
-<file path=ppt/slides/slide16.xml><?xml version="1.0" encoding="utf-8"?>
+<file path=ppt/slides/slide15.xml><?xml version="1.0" encoding="utf-8"?>
 <p:sld xmlns:a="http://schemas.openxmlformats.org/drawingml/2006/main" xmlns:r="http://schemas.openxmlformats.org/officeDocument/2006/relationships" xmlns:p="http://schemas.openxmlformats.org/presentationml/2006/main">
   <p:cSld>
     <p:spTree>
@@ -53219,7 +52367,7 @@
             <a:fld id="{E5A58044-9251-4E55-A315-2C84AFFA8BA2}" type="slidenum">
               <a:rPr lang="en-US" smtClean="0"/>
               <a:pPr/>
-              <a:t>16</a:t>
+              <a:t>15</a:t>
             </a:fld>
             <a:endParaRPr lang="en-US"/>
           </a:p>
@@ -53298,7 +52446,7 @@
 </p:sld>
 </file>
 
-<file path=ppt/slides/slide17.xml><?xml version="1.0" encoding="utf-8"?>
+<file path=ppt/slides/slide16.xml><?xml version="1.0" encoding="utf-8"?>
 <p:sld xmlns:a="http://schemas.openxmlformats.org/drawingml/2006/main" xmlns:r="http://schemas.openxmlformats.org/officeDocument/2006/relationships" xmlns:p="http://schemas.openxmlformats.org/presentationml/2006/main">
   <p:cSld>
     <p:spTree>
@@ -53411,11 +52559,25 @@
               <a:buNone/>
             </a:pPr>
             <a:r>
-              <a:rPr lang="pt-BR" sz="2400" b="1" kern="1200">
+              <a:rPr lang="pt-BR" sz="2400" b="1" kern="1200" dirty="0">
                 <a:latin typeface="Arial" pitchFamily="34" charset="0"/>
                 <a:cs typeface="Arial" pitchFamily="34" charset="0"/>
               </a:rPr>
-              <a:t>Altera a aplicação inclua JoptionPane de forma a obter o prompt do teclado e </a:t>
+              <a:t>Altera a aplicação inclua </a:t>
+            </a:r>
+            <a:r>
+              <a:rPr lang="pt-BR" sz="2400" b="1" kern="1200" dirty="0" err="1">
+                <a:latin typeface="Arial" pitchFamily="34" charset="0"/>
+                <a:cs typeface="Arial" pitchFamily="34" charset="0"/>
+              </a:rPr>
+              <a:t>JoptionPane</a:t>
+            </a:r>
+            <a:r>
+              <a:rPr lang="pt-BR" sz="2400" b="1" kern="1200" dirty="0">
+                <a:latin typeface="Arial" pitchFamily="34" charset="0"/>
+                <a:cs typeface="Arial" pitchFamily="34" charset="0"/>
+              </a:rPr>
+              <a:t> de forma a obter o prompt do teclado e </a:t>
             </a:r>
             <a:endParaRPr lang="pt-BR" sz="2400" kern="1200" dirty="0">
               <a:latin typeface="Arial" pitchFamily="34" charset="0"/>
@@ -53447,7 +52609,7 @@
             <a:fld id="{E5A58044-9251-4E55-A315-2C84AFFA8BA2}" type="slidenum">
               <a:rPr lang="en-US" smtClean="0"/>
               <a:pPr/>
-              <a:t>17</a:t>
+              <a:t>16</a:t>
             </a:fld>
             <a:endParaRPr lang="en-US"/>
           </a:p>
@@ -53466,7 +52628,7 @@
 </p:sld>
 </file>
 
-<file path=ppt/slides/slide18.xml><?xml version="1.0" encoding="utf-8"?>
+<file path=ppt/slides/slide17.xml><?xml version="1.0" encoding="utf-8"?>
 <p:sld xmlns:a="http://schemas.openxmlformats.org/drawingml/2006/main" xmlns:r="http://schemas.openxmlformats.org/officeDocument/2006/relationships" xmlns:p="http://schemas.openxmlformats.org/presentationml/2006/main">
   <p:cSld>
     <p:spTree>
@@ -53573,7 +52735,7 @@
             <a:fld id="{33B9D3FC-95A0-4815-8E1B-B71EFD6269DA}" type="slidenum">
               <a:rPr lang="en-US" smtClean="0"/>
               <a:pPr/>
-              <a:t>18</a:t>
+              <a:t>17</a:t>
             </a:fld>
             <a:endParaRPr lang="en-US"/>
           </a:p>
@@ -54346,193 +53508,6 @@
         <p:cNvPr id="1" name="">
           <a:extLst>
             <a:ext uri="{FF2B5EF4-FFF2-40B4-BE49-F238E27FC236}">
-              <a16:creationId xmlns:a16="http://schemas.microsoft.com/office/drawing/2014/main" id="{C9BF2912-9517-146E-F4C9-6BE8EC98BC95}"/>
-            </a:ext>
-          </a:extLst>
-        </p:cNvPr>
-        <p:cNvGrpSpPr/>
-        <p:nvPr/>
-      </p:nvGrpSpPr>
-      <p:grpSpPr>
-        <a:xfrm>
-          <a:off x="0" y="0"/>
-          <a:ext cx="0" cy="0"/>
-          <a:chOff x="0" y="0"/>
-          <a:chExt cx="0" cy="0"/>
-        </a:xfrm>
-      </p:grpSpPr>
-      <p:sp>
-        <p:nvSpPr>
-          <p:cNvPr id="23555" name="Rectangle 2">
-            <a:extLst>
-              <a:ext uri="{FF2B5EF4-FFF2-40B4-BE49-F238E27FC236}">
-                <a16:creationId xmlns:a16="http://schemas.microsoft.com/office/drawing/2014/main" id="{C1601D8E-AA0B-18EC-3259-EA81E030E019}"/>
-              </a:ext>
-            </a:extLst>
-          </p:cNvPr>
-          <p:cNvSpPr>
-            <a:spLocks noGrp="1" noChangeArrowheads="1"/>
-          </p:cNvSpPr>
-          <p:nvPr>
-            <p:ph type="title"/>
-          </p:nvPr>
-        </p:nvSpPr>
-        <p:spPr>
-          <a:xfrm>
-            <a:off x="102704" y="108286"/>
-            <a:ext cx="8153400" cy="914400"/>
-          </a:xfrm>
-        </p:spPr>
-        <p:txBody>
-          <a:bodyPr/>
-          <a:lstStyle/>
-          <a:p>
-            <a:r>
-              <a:rPr lang="en-US" dirty="0" err="1"/>
-              <a:t>Projeto</a:t>
-            </a:r>
-            <a:r>
-              <a:rPr lang="en-US" dirty="0"/>
-              <a:t> GenAi</a:t>
-            </a:r>
-          </a:p>
-        </p:txBody>
-      </p:sp>
-      <p:sp>
-        <p:nvSpPr>
-          <p:cNvPr id="8" name="Rectangle 3">
-            <a:extLst>
-              <a:ext uri="{FF2B5EF4-FFF2-40B4-BE49-F238E27FC236}">
-                <a16:creationId xmlns:a16="http://schemas.microsoft.com/office/drawing/2014/main" id="{1C779336-3ACF-9D76-F242-FA3B80478F7A}"/>
-              </a:ext>
-            </a:extLst>
-          </p:cNvPr>
-          <p:cNvSpPr>
-            <a:spLocks noGrp="1" noChangeArrowheads="1"/>
-          </p:cNvSpPr>
-          <p:nvPr>
-            <p:ph idx="1"/>
-          </p:nvPr>
-        </p:nvSpPr>
-        <p:spPr>
-          <a:xfrm>
-            <a:off x="102704" y="1353559"/>
-            <a:ext cx="8888896" cy="4894841"/>
-          </a:xfrm>
-        </p:spPr>
-        <p:txBody>
-          <a:bodyPr/>
-          <a:lstStyle/>
-          <a:p>
-            <a:r>
-              <a:rPr lang="pt-BR" sz="2400" kern="1200" dirty="0">
-                <a:latin typeface="Arial" pitchFamily="34" charset="0"/>
-                <a:cs typeface="Arial" pitchFamily="34" charset="0"/>
-              </a:rPr>
-              <a:t>Ficou assim.</a:t>
-            </a:r>
-          </a:p>
-          <a:p>
-            <a:r>
-              <a:rPr lang="pt-BR" sz="2400" kern="1200" dirty="0">
-                <a:latin typeface="Arial" pitchFamily="34" charset="0"/>
-                <a:cs typeface="Arial" pitchFamily="34" charset="0"/>
-              </a:rPr>
-              <a:t>Salve o arquivo para que as atualizações aconteçam.</a:t>
-            </a:r>
-            <a:endParaRPr lang="pt-BR" sz="2200" kern="1200" dirty="0">
-              <a:latin typeface="Arial" pitchFamily="34" charset="0"/>
-              <a:cs typeface="Arial" pitchFamily="34" charset="0"/>
-            </a:endParaRPr>
-          </a:p>
-        </p:txBody>
-      </p:sp>
-      <p:sp>
-        <p:nvSpPr>
-          <p:cNvPr id="23554" name="Rectangle 4">
-            <a:extLst>
-              <a:ext uri="{FF2B5EF4-FFF2-40B4-BE49-F238E27FC236}">
-                <a16:creationId xmlns:a16="http://schemas.microsoft.com/office/drawing/2014/main" id="{714C6028-0EC7-2E5B-E815-705895222FAD}"/>
-              </a:ext>
-            </a:extLst>
-          </p:cNvPr>
-          <p:cNvSpPr>
-            <a:spLocks noGrp="1" noChangeArrowheads="1"/>
-          </p:cNvSpPr>
-          <p:nvPr>
-            <p:ph type="sldNum" sz="quarter" idx="10"/>
-          </p:nvPr>
-        </p:nvSpPr>
-        <p:spPr>
-          <a:noFill/>
-        </p:spPr>
-        <p:txBody>
-          <a:bodyPr/>
-          <a:lstStyle/>
-          <a:p>
-            <a:endParaRPr lang="en-US"/>
-          </a:p>
-          <a:p>
-            <a:fld id="{E5A58044-9251-4E55-A315-2C84AFFA8BA2}" type="slidenum">
-              <a:rPr lang="en-US" smtClean="0"/>
-              <a:pPr/>
-              <a:t>6</a:t>
-            </a:fld>
-            <a:endParaRPr lang="en-US"/>
-          </a:p>
-        </p:txBody>
-      </p:sp>
-      <p:pic>
-        <p:nvPicPr>
-          <p:cNvPr id="3" name="Picture 2">
-            <a:extLst>
-              <a:ext uri="{FF2B5EF4-FFF2-40B4-BE49-F238E27FC236}">
-                <a16:creationId xmlns:a16="http://schemas.microsoft.com/office/drawing/2014/main" id="{E842CD2A-FE0C-70F3-B9D8-4AFDE103D948}"/>
-              </a:ext>
-            </a:extLst>
-          </p:cNvPr>
-          <p:cNvPicPr>
-            <a:picLocks noChangeAspect="1"/>
-          </p:cNvPicPr>
-          <p:nvPr/>
-        </p:nvPicPr>
-        <p:blipFill>
-          <a:blip r:embed="rId3"/>
-          <a:stretch>
-            <a:fillRect/>
-          </a:stretch>
-        </p:blipFill>
-        <p:spPr>
-          <a:xfrm>
-            <a:off x="134867" y="2622057"/>
-            <a:ext cx="8983329" cy="3924848"/>
-          </a:xfrm>
-          <a:prstGeom prst="rect">
-            <a:avLst/>
-          </a:prstGeom>
-        </p:spPr>
-      </p:pic>
-    </p:spTree>
-    <p:extLst>
-      <p:ext uri="{BB962C8B-B14F-4D97-AF65-F5344CB8AC3E}">
-        <p14:creationId xmlns:p14="http://schemas.microsoft.com/office/powerpoint/2010/main" val="2822689338"/>
-      </p:ext>
-    </p:extLst>
-  </p:cSld>
-  <p:clrMapOvr>
-    <a:masterClrMapping/>
-  </p:clrMapOvr>
-</p:sld>
-</file>
-
-<file path=ppt/slides/slide7.xml><?xml version="1.0" encoding="utf-8"?>
-<p:sld xmlns:a="http://schemas.openxmlformats.org/drawingml/2006/main" xmlns:r="http://schemas.openxmlformats.org/officeDocument/2006/relationships" xmlns:p="http://schemas.openxmlformats.org/presentationml/2006/main">
-  <p:cSld>
-    <p:spTree>
-      <p:nvGrpSpPr>
-        <p:cNvPr id="1" name="">
-          <a:extLst>
-            <a:ext uri="{FF2B5EF4-FFF2-40B4-BE49-F238E27FC236}">
               <a16:creationId xmlns:a16="http://schemas.microsoft.com/office/drawing/2014/main" id="{8CDA1A2D-0E26-C51D-C7B5-A75D81594EC9}"/>
             </a:ext>
           </a:extLst>
@@ -54705,7 +53680,7 @@
             <a:fld id="{E5A58044-9251-4E55-A315-2C84AFFA8BA2}" type="slidenum">
               <a:rPr lang="en-US" smtClean="0"/>
               <a:pPr/>
-              <a:t>7</a:t>
+              <a:t>6</a:t>
             </a:fld>
             <a:endParaRPr lang="en-US"/>
           </a:p>
@@ -54754,7 +53729,7 @@
 </p:sld>
 </file>
 
-<file path=ppt/slides/slide8.xml><?xml version="1.0" encoding="utf-8"?>
+<file path=ppt/slides/slide7.xml><?xml version="1.0" encoding="utf-8"?>
 <p:sld xmlns:a="http://schemas.openxmlformats.org/drawingml/2006/main" xmlns:r="http://schemas.openxmlformats.org/officeDocument/2006/relationships" xmlns:p="http://schemas.openxmlformats.org/presentationml/2006/main">
   <p:cSld>
     <p:spTree>
@@ -54865,7 +53840,7 @@
             <a:fld id="{E5A58044-9251-4E55-A315-2C84AFFA8BA2}" type="slidenum">
               <a:rPr lang="en-US" smtClean="0"/>
               <a:pPr/>
-              <a:t>8</a:t>
+              <a:t>7</a:t>
             </a:fld>
             <a:endParaRPr lang="en-US"/>
           </a:p>
@@ -54944,6 +53919,216 @@
 </p:sld>
 </file>
 
+<file path=ppt/slides/slide8.xml><?xml version="1.0" encoding="utf-8"?>
+<p:sld xmlns:a="http://schemas.openxmlformats.org/drawingml/2006/main" xmlns:r="http://schemas.openxmlformats.org/officeDocument/2006/relationships" xmlns:p="http://schemas.openxmlformats.org/presentationml/2006/main">
+  <p:cSld>
+    <p:spTree>
+      <p:nvGrpSpPr>
+        <p:cNvPr id="1" name=""/>
+        <p:cNvGrpSpPr/>
+        <p:nvPr/>
+      </p:nvGrpSpPr>
+      <p:grpSpPr>
+        <a:xfrm>
+          <a:off x="0" y="0"/>
+          <a:ext cx="0" cy="0"/>
+          <a:chOff x="0" y="0"/>
+          <a:chExt cx="0" cy="0"/>
+        </a:xfrm>
+      </p:grpSpPr>
+      <p:sp>
+        <p:nvSpPr>
+          <p:cNvPr id="60419" name="Rectangle 2"/>
+          <p:cNvSpPr>
+            <a:spLocks noGrp="1" noChangeArrowheads="1"/>
+          </p:cNvSpPr>
+          <p:nvPr>
+            <p:ph type="title"/>
+          </p:nvPr>
+        </p:nvSpPr>
+        <p:spPr/>
+        <p:txBody>
+          <a:bodyPr/>
+          <a:lstStyle/>
+          <a:p>
+            <a:r>
+              <a:rPr lang="en-US" dirty="0" err="1"/>
+              <a:t>Projeto</a:t>
+            </a:r>
+            <a:r>
+              <a:rPr lang="en-US" dirty="0"/>
+              <a:t> GenAi</a:t>
+            </a:r>
+          </a:p>
+        </p:txBody>
+      </p:sp>
+      <p:sp>
+        <p:nvSpPr>
+          <p:cNvPr id="6" name="Content Placeholder 5"/>
+          <p:cNvSpPr>
+            <a:spLocks noGrp="1"/>
+          </p:cNvSpPr>
+          <p:nvPr>
+            <p:ph idx="1"/>
+          </p:nvPr>
+        </p:nvSpPr>
+        <p:spPr/>
+        <p:txBody>
+          <a:bodyPr/>
+          <a:lstStyle/>
+          <a:p>
+            <a:pPr marL="0" indent="0">
+              <a:buNone/>
+            </a:pPr>
+            <a:r>
+              <a:rPr lang="pt-BR" sz="3600" b="1" dirty="0"/>
+              <a:t>Estrutura</a:t>
+            </a:r>
+          </a:p>
+          <a:p>
+            <a:pPr marL="0" indent="0">
+              <a:buNone/>
+            </a:pPr>
+            <a:endParaRPr lang="pt-BR" sz="2400" dirty="0"/>
+          </a:p>
+        </p:txBody>
+      </p:sp>
+      <p:sp>
+        <p:nvSpPr>
+          <p:cNvPr id="60418" name="Rectangle 4"/>
+          <p:cNvSpPr>
+            <a:spLocks noGrp="1" noChangeArrowheads="1"/>
+          </p:cNvSpPr>
+          <p:nvPr>
+            <p:ph type="sldNum" sz="quarter" idx="10"/>
+          </p:nvPr>
+        </p:nvSpPr>
+        <p:spPr>
+          <a:noFill/>
+        </p:spPr>
+        <p:txBody>
+          <a:bodyPr/>
+          <a:lstStyle/>
+          <a:p>
+            <a:endParaRPr lang="en-US"/>
+          </a:p>
+          <a:p>
+            <a:fld id="{A9B67950-A392-4C94-8F14-AAC6D6C33930}" type="slidenum">
+              <a:rPr lang="en-US" smtClean="0"/>
+              <a:pPr/>
+              <a:t>8</a:t>
+            </a:fld>
+            <a:endParaRPr lang="en-US"/>
+          </a:p>
+        </p:txBody>
+      </p:sp>
+      <p:sp>
+        <p:nvSpPr>
+          <p:cNvPr id="60420" name="Rectangle 4"/>
+          <p:cNvSpPr>
+            <a:spLocks noChangeArrowheads="1"/>
+          </p:cNvSpPr>
+          <p:nvPr/>
+        </p:nvSpPr>
+        <p:spPr bwMode="auto">
+          <a:xfrm>
+            <a:off x="161925" y="1295400"/>
+            <a:ext cx="8750300" cy="789425"/>
+          </a:xfrm>
+          <a:prstGeom prst="rect">
+            <a:avLst/>
+          </a:prstGeom>
+          <a:noFill/>
+          <a:ln w="9525">
+            <a:noFill/>
+            <a:miter lim="800000"/>
+            <a:headEnd/>
+            <a:tailEnd/>
+          </a:ln>
+        </p:spPr>
+        <p:txBody>
+          <a:bodyPr/>
+          <a:lstStyle/>
+          <a:p>
+            <a:pPr marL="266700" indent="-266700" defTabSz="914400" eaLnBrk="0" hangingPunct="0">
+              <a:spcBef>
+                <a:spcPct val="20000"/>
+              </a:spcBef>
+              <a:buClr>
+                <a:srgbClr val="000000"/>
+              </a:buClr>
+            </a:pPr>
+            <a:r>
+              <a:rPr lang="en-US" dirty="0">
+                <a:solidFill>
+                  <a:srgbClr val="000000"/>
+                </a:solidFill>
+              </a:rPr>
+              <a:t>	</a:t>
+            </a:r>
+          </a:p>
+          <a:p>
+            <a:pPr marL="266700" indent="-266700" defTabSz="914400" eaLnBrk="0" hangingPunct="0">
+              <a:spcBef>
+                <a:spcPct val="20000"/>
+              </a:spcBef>
+              <a:buClr>
+                <a:srgbClr val="000000"/>
+              </a:buClr>
+              <a:buFontTx/>
+              <a:buAutoNum type="arabicPeriod"/>
+            </a:pPr>
+            <a:endParaRPr lang="en-US" dirty="0">
+              <a:solidFill>
+                <a:srgbClr val="000000"/>
+              </a:solidFill>
+            </a:endParaRPr>
+          </a:p>
+        </p:txBody>
+      </p:sp>
+      <p:pic>
+        <p:nvPicPr>
+          <p:cNvPr id="4" name="Picture 3">
+            <a:extLst>
+              <a:ext uri="{FF2B5EF4-FFF2-40B4-BE49-F238E27FC236}">
+                <a16:creationId xmlns:a16="http://schemas.microsoft.com/office/drawing/2014/main" id="{8C437467-E2A7-41D8-BFA3-5C608DA42A3B}"/>
+              </a:ext>
+            </a:extLst>
+          </p:cNvPr>
+          <p:cNvPicPr>
+            <a:picLocks noChangeAspect="1"/>
+          </p:cNvPicPr>
+          <p:nvPr/>
+        </p:nvPicPr>
+        <p:blipFill>
+          <a:blip r:embed="rId3"/>
+          <a:stretch>
+            <a:fillRect/>
+          </a:stretch>
+        </p:blipFill>
+        <p:spPr>
+          <a:xfrm>
+            <a:off x="322410" y="2514600"/>
+            <a:ext cx="8606516" cy="3741963"/>
+          </a:xfrm>
+          <a:prstGeom prst="rect">
+            <a:avLst/>
+          </a:prstGeom>
+        </p:spPr>
+      </p:pic>
+    </p:spTree>
+    <p:extLst>
+      <p:ext uri="{BB962C8B-B14F-4D97-AF65-F5344CB8AC3E}">
+        <p14:creationId xmlns:p14="http://schemas.microsoft.com/office/powerpoint/2010/main" val="35481940"/>
+      </p:ext>
+    </p:extLst>
+  </p:cSld>
+  <p:clrMapOvr>
+    <a:masterClrMapping/>
+  </p:clrMapOvr>
+</p:sld>
+</file>
+
 <file path=ppt/slides/slide9.xml><?xml version="1.0" encoding="utf-8"?>
 <p:sld xmlns:a="http://schemas.openxmlformats.org/drawingml/2006/main" xmlns:r="http://schemas.openxmlformats.org/officeDocument/2006/relationships" xmlns:p="http://schemas.openxmlformats.org/presentationml/2006/main">
   <p:cSld>
@@ -54997,24 +54182,33 @@
             <p:ph idx="1"/>
           </p:nvPr>
         </p:nvSpPr>
-        <p:spPr/>
+        <p:spPr>
+          <a:xfrm>
+            <a:off x="0" y="1050181"/>
+            <a:ext cx="8458200" cy="789425"/>
+          </a:xfrm>
+        </p:spPr>
         <p:txBody>
           <a:bodyPr/>
           <a:lstStyle/>
           <a:p>
-            <a:pPr marL="0" indent="0">
+            <a:pPr marL="266700" indent="-266700">
               <a:buNone/>
             </a:pPr>
             <a:r>
-              <a:rPr lang="pt-BR" sz="3600" b="1" dirty="0"/>
-              <a:t>Estrutura</a:t>
+              <a:rPr lang="en-US" dirty="0"/>
+              <a:t>	</a:t>
+            </a:r>
+            <a:r>
+              <a:rPr lang="en-US" sz="3600" b="1" dirty="0"/>
+              <a:t>Application Properties</a:t>
             </a:r>
           </a:p>
           <a:p>
-            <a:pPr marL="0" indent="0">
+            <a:pPr marL="266700" indent="-266700">
               <a:buNone/>
             </a:pPr>
-            <a:endParaRPr lang="pt-BR" sz="2400" dirty="0"/>
+            <a:endParaRPr lang="en-US" sz="3600" b="1" dirty="0"/>
           </a:p>
         </p:txBody>
       </p:sp>
@@ -55113,10 +54307,10 @@
       </p:sp>
       <p:pic>
         <p:nvPicPr>
-          <p:cNvPr id="4" name="Picture 3">
+          <p:cNvPr id="7" name="Picture 6">
             <a:extLst>
               <a:ext uri="{FF2B5EF4-FFF2-40B4-BE49-F238E27FC236}">
-                <a16:creationId xmlns:a16="http://schemas.microsoft.com/office/drawing/2014/main" id="{8C437467-E2A7-41D8-BFA3-5C608DA42A3B}"/>
+                <a16:creationId xmlns:a16="http://schemas.microsoft.com/office/drawing/2014/main" id="{BC2F675A-223C-408D-9554-12FBDA8397D8}"/>
               </a:ext>
             </a:extLst>
           </p:cNvPr>
@@ -55133,8 +54327,38 @@
         </p:blipFill>
         <p:spPr>
           <a:xfrm>
-            <a:off x="322410" y="2514600"/>
-            <a:ext cx="8606516" cy="3741963"/>
+            <a:off x="264617" y="1727108"/>
+            <a:ext cx="4645025" cy="1439574"/>
+          </a:xfrm>
+          <a:prstGeom prst="rect">
+            <a:avLst/>
+          </a:prstGeom>
+        </p:spPr>
+      </p:pic>
+      <p:pic>
+        <p:nvPicPr>
+          <p:cNvPr id="4" name="Picture 3">
+            <a:extLst>
+              <a:ext uri="{FF2B5EF4-FFF2-40B4-BE49-F238E27FC236}">
+                <a16:creationId xmlns:a16="http://schemas.microsoft.com/office/drawing/2014/main" id="{904CD067-61F6-2373-7765-AC8CE9C50AE3}"/>
+              </a:ext>
+            </a:extLst>
+          </p:cNvPr>
+          <p:cNvPicPr>
+            <a:picLocks noChangeAspect="1"/>
+          </p:cNvPicPr>
+          <p:nvPr/>
+        </p:nvPicPr>
+        <p:blipFill>
+          <a:blip r:embed="rId4"/>
+          <a:stretch>
+            <a:fillRect/>
+          </a:stretch>
+        </p:blipFill>
+        <p:spPr>
+          <a:xfrm>
+            <a:off x="1970685" y="3166682"/>
+            <a:ext cx="7097115" cy="2934109"/>
           </a:xfrm>
           <a:prstGeom prst="rect">
             <a:avLst/>
@@ -55144,7 +54368,7 @@
     </p:spTree>
     <p:extLst>
       <p:ext uri="{BB962C8B-B14F-4D97-AF65-F5344CB8AC3E}">
-        <p14:creationId xmlns:p14="http://schemas.microsoft.com/office/powerpoint/2010/main" val="35481940"/>
+        <p14:creationId xmlns:p14="http://schemas.microsoft.com/office/powerpoint/2010/main" val="1312899334"/>
       </p:ext>
     </p:extLst>
   </p:cSld>
@@ -56417,6 +55641,10 @@
 </file>
 
 <file path=customXml/item1.xml><?xml version="1.0" encoding="utf-8"?>
+<LongProperties xmlns="http://schemas.microsoft.com/office/2006/metadata/longProperties"/>
+</file>
+
+<file path=customXml/item2.xml><?xml version="1.0" encoding="utf-8"?>
 <p:properties xmlns:p="http://schemas.microsoft.com/office/2006/metadata/properties" xmlns:xsi="http://www.w3.org/2001/XMLSchema-instance">
   <documentManagement>
     <lcf76f155ced4ddcb4097134ff3c332f xmlns="805d67a4-0afc-4282-9f53-9df66667f198">
@@ -56427,20 +55655,7 @@
 </p:properties>
 </file>
 
-<file path=customXml/item2.xml><?xml version="1.0" encoding="utf-8"?>
-<LongProperties xmlns="http://schemas.microsoft.com/office/2006/metadata/longProperties"/>
-</file>
-
 <file path=customXml/item3.xml><?xml version="1.0" encoding="utf-8"?>
-<?mso-contentType ?>
-<FormTemplates xmlns="http://schemas.microsoft.com/sharepoint/v3/contenttype/forms">
-  <Display>DocumentLibraryForm</Display>
-  <Edit>DocumentLibraryForm</Edit>
-  <New>DocumentLibraryForm</New>
-</FormTemplates>
-</file>
-
-<file path=customXml/item4.xml><?xml version="1.0" encoding="utf-8"?>
 <ct:contentTypeSchema xmlns:ct="http://schemas.microsoft.com/office/2006/metadata/contentType" xmlns:ma="http://schemas.microsoft.com/office/2006/metadata/properties/metaAttributes" ct:_="" ma:_="" ma:contentTypeName="Document" ma:contentTypeID="0x0101002679CF5E7BC5044E985692AB10B5F456" ma:contentTypeVersion="11" ma:contentTypeDescription="Create a new document." ma:contentTypeScope="" ma:versionID="f97ddb8bec73cc29f05790e5659c7004">
   <xsd:schema xmlns:xsd="http://www.w3.org/2001/XMLSchema" xmlns:xs="http://www.w3.org/2001/XMLSchema" xmlns:p="http://schemas.microsoft.com/office/2006/metadata/properties" xmlns:ns2="805d67a4-0afc-4282-9f53-9df66667f198" xmlns:ns3="4e5fae00-c6c8-4fa6-8a81-4baa538bf2f6" targetNamespace="http://schemas.microsoft.com/office/2006/metadata/properties" ma:root="true" ma:fieldsID="e1df14e0790bc908bc4497eb360d9743" ns2:_="" ns3:_="">
     <xsd:import namespace="805d67a4-0afc-4282-9f53-9df66667f198"/>
@@ -56635,7 +55850,24 @@
 </ct:contentTypeSchema>
 </file>
 
+<file path=customXml/item4.xml><?xml version="1.0" encoding="utf-8"?>
+<?mso-contentType ?>
+<FormTemplates xmlns="http://schemas.microsoft.com/sharepoint/v3/contenttype/forms">
+  <Display>DocumentLibraryForm</Display>
+  <Edit>DocumentLibraryForm</Edit>
+  <New>DocumentLibraryForm</New>
+</FormTemplates>
+</file>
+
 <file path=customXml/itemProps1.xml><?xml version="1.0" encoding="utf-8"?>
+<ds:datastoreItem xmlns:ds="http://schemas.openxmlformats.org/officeDocument/2006/customXml" ds:itemID="{81AEBA84-71F7-42A2-95E2-816C6AC50A81}">
+  <ds:schemaRefs>
+    <ds:schemaRef ds:uri="http://schemas.microsoft.com/office/2006/metadata/longProperties"/>
+  </ds:schemaRefs>
+</ds:datastoreItem>
+</file>
+
+<file path=customXml/itemProps2.xml><?xml version="1.0" encoding="utf-8"?>
 <ds:datastoreItem xmlns:ds="http://schemas.openxmlformats.org/officeDocument/2006/customXml" ds:itemID="{919BD09B-3566-47F6-94BF-EBE8449440A5}">
   <ds:schemaRefs>
     <ds:schemaRef ds:uri="http://schemas.openxmlformats.org/package/2006/metadata/core-properties"/>
@@ -56653,23 +55885,7 @@
 </ds:datastoreItem>
 </file>
 
-<file path=customXml/itemProps2.xml><?xml version="1.0" encoding="utf-8"?>
-<ds:datastoreItem xmlns:ds="http://schemas.openxmlformats.org/officeDocument/2006/customXml" ds:itemID="{81AEBA84-71F7-42A2-95E2-816C6AC50A81}">
-  <ds:schemaRefs>
-    <ds:schemaRef ds:uri="http://schemas.microsoft.com/office/2006/metadata/longProperties"/>
-  </ds:schemaRefs>
-</ds:datastoreItem>
-</file>
-
 <file path=customXml/itemProps3.xml><?xml version="1.0" encoding="utf-8"?>
-<ds:datastoreItem xmlns:ds="http://schemas.openxmlformats.org/officeDocument/2006/customXml" ds:itemID="{AB35C5FF-C094-4A6D-805E-530AC75DBEB4}">
-  <ds:schemaRefs>
-    <ds:schemaRef ds:uri="http://schemas.microsoft.com/sharepoint/v3/contenttype/forms"/>
-  </ds:schemaRefs>
-</ds:datastoreItem>
-</file>
-
-<file path=customXml/itemProps4.xml><?xml version="1.0" encoding="utf-8"?>
 <ds:datastoreItem xmlns:ds="http://schemas.openxmlformats.org/officeDocument/2006/customXml" ds:itemID="{E1592347-E818-487C-B153-F89460F29913}">
   <ds:schemaRefs>
     <ds:schemaRef ds:uri="http://schemas.microsoft.com/office/2006/metadata/contentType"/>
@@ -56686,4 +55902,12 @@
     <ds:schemaRef ds:uri="http://schemas.microsoft.com/internal/obd"/>
   </ds:schemaRefs>
 </ds:datastoreItem>
+</file>
+
+<file path=customXml/itemProps4.xml><?xml version="1.0" encoding="utf-8"?>
+<ds:datastoreItem xmlns:ds="http://schemas.openxmlformats.org/officeDocument/2006/customXml" ds:itemID="{AB35C5FF-C094-4A6D-805E-530AC75DBEB4}">
+  <ds:schemaRefs>
+    <ds:schemaRef ds:uri="http://schemas.microsoft.com/sharepoint/v3/contenttype/forms"/>
+  </ds:schemaRefs>
+</ds:datastoreItem>
 </file>